--- a/System Documentation/ODS powerpoint.pptx
+++ b/System Documentation/ODS powerpoint.pptx
@@ -118,6 +118,9 @@
     <p:ext uri="{EFAFB233-063F-42B5-8137-9DF3F51BA10A}">
       <p15:sldGuideLst xmlns:p15="http://schemas.microsoft.com/office/powerpoint/2012/main"/>
     </p:ext>
+    <p:ext uri="{2D200454-40CA-4A62-9FC3-DE9A4176ACB9}">
+      <p15:notesGuideLst xmlns:p15="http://schemas.microsoft.com/office/powerpoint/2012/main"/>
+    </p:ext>
   </p:extLst>
 </p:presentation>
 </file>
@@ -127,7 +130,7 @@
   <pc:docChgLst>
     <pc:chgData name="Alexander Gee" userId="485603e6-5891-4220-a85c-b0950bcd52be" providerId="ADAL" clId="{CDAFFAC8-AF76-4CA3-98AC-3E213656C84F}"/>
     <pc:docChg chg="undo custSel addSld delSld modSld sldOrd">
-      <pc:chgData name="Alexander Gee" userId="485603e6-5891-4220-a85c-b0950bcd52be" providerId="ADAL" clId="{CDAFFAC8-AF76-4CA3-98AC-3E213656C84F}" dt="2018-03-25T12:40:57.134" v="6155" actId="313"/>
+      <pc:chgData name="Alexander Gee" userId="485603e6-5891-4220-a85c-b0950bcd52be" providerId="ADAL" clId="{CDAFFAC8-AF76-4CA3-98AC-3E213656C84F}" dt="2018-03-25T22:47:19.260" v="6348" actId="20577"/>
       <pc:docMkLst>
         <pc:docMk/>
       </pc:docMkLst>
@@ -226,7 +229,7 @@
         </pc:picChg>
       </pc:sldChg>
       <pc:sldChg chg="addSp delSp modSp modNotesTx">
-        <pc:chgData name="Alexander Gee" userId="485603e6-5891-4220-a85c-b0950bcd52be" providerId="ADAL" clId="{CDAFFAC8-AF76-4CA3-98AC-3E213656C84F}" dt="2018-03-25T12:38:01.902" v="6082" actId="20577"/>
+        <pc:chgData name="Alexander Gee" userId="485603e6-5891-4220-a85c-b0950bcd52be" providerId="ADAL" clId="{CDAFFAC8-AF76-4CA3-98AC-3E213656C84F}" dt="2018-03-25T22:33:48.073" v="6199" actId="20577"/>
         <pc:sldMkLst>
           <pc:docMk/>
           <pc:sldMk cId="2875805378" sldId="258"/>
@@ -297,7 +300,7 @@
         </pc:picChg>
       </pc:sldChg>
       <pc:sldChg chg="addSp delSp modSp modNotesTx">
-        <pc:chgData name="Alexander Gee" userId="485603e6-5891-4220-a85c-b0950bcd52be" providerId="ADAL" clId="{CDAFFAC8-AF76-4CA3-98AC-3E213656C84F}" dt="2018-03-25T12:16:34.987" v="3980" actId="20577"/>
+        <pc:chgData name="Alexander Gee" userId="485603e6-5891-4220-a85c-b0950bcd52be" providerId="ADAL" clId="{CDAFFAC8-AF76-4CA3-98AC-3E213656C84F}" dt="2018-03-25T22:18:44.816" v="6160" actId="6549"/>
         <pc:sldMkLst>
           <pc:docMk/>
           <pc:sldMk cId="1108688081" sldId="259"/>
@@ -376,7 +379,7 @@
         </pc:picChg>
       </pc:sldChg>
       <pc:sldChg chg="addSp delSp modSp modNotesTx">
-        <pc:chgData name="Alexander Gee" userId="485603e6-5891-4220-a85c-b0950bcd52be" providerId="ADAL" clId="{CDAFFAC8-AF76-4CA3-98AC-3E213656C84F}" dt="2018-03-25T12:38:58.467" v="6108" actId="20577"/>
+        <pc:chgData name="Alexander Gee" userId="485603e6-5891-4220-a85c-b0950bcd52be" providerId="ADAL" clId="{CDAFFAC8-AF76-4CA3-98AC-3E213656C84F}" dt="2018-03-25T22:41:42.932" v="6204" actId="20577"/>
         <pc:sldMkLst>
           <pc:docMk/>
           <pc:sldMk cId="2851834824" sldId="260"/>
@@ -524,7 +527,7 @@
           </ac:spMkLst>
         </pc:spChg>
         <pc:graphicFrameChg chg="add mod modGraphic">
-          <ac:chgData name="Alexander Gee" userId="485603e6-5891-4220-a85c-b0950bcd52be" providerId="ADAL" clId="{CDAFFAC8-AF76-4CA3-98AC-3E213656C84F}" dt="2018-03-25T11:39:25.903" v="2319"/>
+          <ac:chgData name="Alexander Gee" userId="485603e6-5891-4220-a85c-b0950bcd52be" providerId="ADAL" clId="{CDAFFAC8-AF76-4CA3-98AC-3E213656C84F}" dt="2018-03-25T11:39:25.903" v="2319" actId="2696"/>
           <ac:graphicFrameMkLst>
             <pc:docMk/>
             <pc:sldMk cId="997869488" sldId="262"/>
@@ -533,7 +536,7 @@
         </pc:graphicFrameChg>
       </pc:sldChg>
       <pc:sldChg chg="addSp delSp modSp add modNotesTx">
-        <pc:chgData name="Alexander Gee" userId="485603e6-5891-4220-a85c-b0950bcd52be" providerId="ADAL" clId="{CDAFFAC8-AF76-4CA3-98AC-3E213656C84F}" dt="2018-03-25T12:40:01.867" v="6127" actId="6549"/>
+        <pc:chgData name="Alexander Gee" userId="485603e6-5891-4220-a85c-b0950bcd52be" providerId="ADAL" clId="{CDAFFAC8-AF76-4CA3-98AC-3E213656C84F}" dt="2018-03-25T22:43:14.394" v="6332" actId="6549"/>
         <pc:sldMkLst>
           <pc:docMk/>
           <pc:sldMk cId="1957153345" sldId="263"/>
@@ -595,7 +598,7 @@
           </ac:picMkLst>
         </pc:picChg>
         <pc:picChg chg="add mod">
-          <ac:chgData name="Alexander Gee" userId="485603e6-5891-4220-a85c-b0950bcd52be" providerId="ADAL" clId="{CDAFFAC8-AF76-4CA3-98AC-3E213656C84F}" dt="2018-03-25T11:58:24.355" v="2370" actId="1076"/>
+          <ac:chgData name="Alexander Gee" userId="485603e6-5891-4220-a85c-b0950bcd52be" providerId="ADAL" clId="{CDAFFAC8-AF76-4CA3-98AC-3E213656C84F}" dt="2018-03-25T22:35:03.435" v="6200" actId="14100"/>
           <ac:picMkLst>
             <pc:docMk/>
             <pc:sldMk cId="1957153345" sldId="263"/>
@@ -612,7 +615,7 @@
         </pc:picChg>
       </pc:sldChg>
       <pc:sldChg chg="addSp delSp modSp add modNotesTx">
-        <pc:chgData name="Alexander Gee" userId="485603e6-5891-4220-a85c-b0950bcd52be" providerId="ADAL" clId="{CDAFFAC8-AF76-4CA3-98AC-3E213656C84F}" dt="2018-03-25T12:31:25.902" v="5613" actId="20577"/>
+        <pc:chgData name="Alexander Gee" userId="485603e6-5891-4220-a85c-b0950bcd52be" providerId="ADAL" clId="{CDAFFAC8-AF76-4CA3-98AC-3E213656C84F}" dt="2018-03-25T22:47:19.260" v="6348" actId="20577"/>
         <pc:sldMkLst>
           <pc:docMk/>
           <pc:sldMk cId="661383584" sldId="264"/>
@@ -659,7 +662,7 @@
         </pc:graphicFrameChg>
       </pc:sldChg>
       <pc:sldChg chg="addSp delSp modSp add modNotesTx">
-        <pc:chgData name="Alexander Gee" userId="485603e6-5891-4220-a85c-b0950bcd52be" providerId="ADAL" clId="{CDAFFAC8-AF76-4CA3-98AC-3E213656C84F}" dt="2018-03-25T12:40:57.134" v="6155" actId="313"/>
+        <pc:chgData name="Alexander Gee" userId="485603e6-5891-4220-a85c-b0950bcd52be" providerId="ADAL" clId="{CDAFFAC8-AF76-4CA3-98AC-3E213656C84F}" dt="2018-03-25T22:44:46.173" v="6346" actId="6549"/>
         <pc:sldMkLst>
           <pc:docMk/>
           <pc:sldMk cId="3943801269" sldId="265"/>
@@ -847,7 +850,7 @@
           <a:p>
             <a:fld id="{2D45F14C-96E5-48B1-B055-05EF078E320C}" type="datetimeFigureOut">
               <a:rPr lang="en-AU" smtClean="0"/>
-              <a:t>25/03/2018</a:t>
+              <a:t>26/03/2018</a:t>
             </a:fld>
             <a:endParaRPr lang="en-AU"/>
           </a:p>
@@ -1462,7 +1465,7 @@
             </a:pPr>
             <a:r>
               <a:rPr lang="en-AU" dirty="0"/>
-              <a:t>If required a temperature sensor (to be discussed further later)</a:t>
+              <a:t>If required a temperature sensor</a:t>
             </a:r>
           </a:p>
           <a:p>
@@ -1541,8 +1544,8 @@
         </p:nvSpPr>
         <p:spPr/>
       </p:sp>
-      <mc:AlternateContent xmlns:mc="http://schemas.openxmlformats.org/markup-compatibility/2006">
-        <mc:Choice xmlns:a14="http://schemas.microsoft.com/office/drawing/2010/main" Requires="a14">
+      <mc:AlternateContent xmlns:mc="http://schemas.openxmlformats.org/markup-compatibility/2006" xmlns:a14="http://schemas.microsoft.com/office/drawing/2010/main">
+        <mc:Choice Requires="a14">
           <p:sp>
             <p:nvSpPr>
               <p:cNvPr id="3" name="Notes Placeholder 2"/>
@@ -1560,7 +1563,7 @@
               <a:p>
                 <a:r>
                   <a:rPr lang="en-AU" dirty="0"/>
-                  <a:t>There are five major requirements and risk factors:</a:t>
+                  <a:t>There are five major risk factors:</a:t>
                 </a:r>
               </a:p>
               <a:p>
@@ -1621,7 +1624,7 @@
             </p:txBody>
           </p:sp>
         </mc:Choice>
-        <mc:Fallback>
+        <mc:Fallback xmlns="">
           <p:sp>
             <p:nvSpPr>
               <p:cNvPr id="3" name="Notes Placeholder 2"/>
@@ -1756,8 +1759,8 @@
         </p:nvSpPr>
         <p:spPr/>
       </p:sp>
-      <mc:AlternateContent xmlns:mc="http://schemas.openxmlformats.org/markup-compatibility/2006">
-        <mc:Choice xmlns:a14="http://schemas.microsoft.com/office/drawing/2010/main" Requires="a14">
+      <mc:AlternateContent xmlns:mc="http://schemas.openxmlformats.org/markup-compatibility/2006" xmlns:a14="http://schemas.microsoft.com/office/drawing/2010/main">
+        <mc:Choice Requires="a14">
           <p:sp>
             <p:nvSpPr>
               <p:cNvPr id="3" name="Notes Placeholder 2"/>
@@ -1811,7 +1814,7 @@
                 </a:r>
                 <a:r>
                   <a:rPr lang="en-AU" baseline="0" dirty="0"/>
-                  <a:t> difference in the sizes of the obstacles and the grid references rounding will incorrectly allocate obstacle locations. </a:t>
+                  <a:t> difference in the sizes of the obstacles and the grid references, rounding may incorrectly allocate obstacle locations. </a:t>
                 </a:r>
               </a:p>
               <a:p>
@@ -1824,7 +1827,7 @@
             </p:txBody>
           </p:sp>
         </mc:Choice>
-        <mc:Fallback>
+        <mc:Fallback xmlns="">
           <p:sp>
             <p:nvSpPr>
               <p:cNvPr id="3" name="Notes Placeholder 2"/>
@@ -1941,8 +1944,8 @@
         </p:nvSpPr>
         <p:spPr/>
       </p:sp>
-      <mc:AlternateContent xmlns:mc="http://schemas.openxmlformats.org/markup-compatibility/2006">
-        <mc:Choice xmlns:a14="http://schemas.microsoft.com/office/drawing/2010/main" Requires="a14">
+      <mc:AlternateContent xmlns:mc="http://schemas.openxmlformats.org/markup-compatibility/2006" xmlns:a14="http://schemas.microsoft.com/office/drawing/2010/main">
+        <mc:Choice Requires="a14">
           <p:sp>
             <p:nvSpPr>
               <p:cNvPr id="3" name="Notes Placeholder 2"/>
@@ -2037,13 +2040,13 @@
               <a:p>
                 <a:r>
                   <a:rPr lang="en-AU" dirty="0"/>
-                  <a:t>It has been determined that this range is reasonable, however if a higher degree of accuracy is needed a temperature sensor will be implemented. As can be seen in the table the sensors were compared based on the cost to error at max range benefit, and from this comparison a contingency component has been selected.</a:t>
+                  <a:t>It has been determined that this range is reasonable, as a contingency a temperature sensor has been selected based on the comparison shown in the table.</a:t>
                 </a:r>
               </a:p>
             </p:txBody>
           </p:sp>
         </mc:Choice>
-        <mc:Fallback>
+        <mc:Fallback xmlns="">
           <p:sp>
             <p:nvSpPr>
               <p:cNvPr id="3" name="Notes Placeholder 2"/>
@@ -2165,8 +2168,8 @@
         </p:nvSpPr>
         <p:spPr/>
       </p:sp>
-      <mc:AlternateContent xmlns:mc="http://schemas.openxmlformats.org/markup-compatibility/2006">
-        <mc:Choice xmlns:a14="http://schemas.microsoft.com/office/drawing/2010/main" Requires="a14">
+      <mc:AlternateContent xmlns:mc="http://schemas.openxmlformats.org/markup-compatibility/2006" xmlns:a14="http://schemas.microsoft.com/office/drawing/2010/main">
+        <mc:Choice Requires="a14">
           <p:sp>
             <p:nvSpPr>
               <p:cNvPr id="3" name="Notes Placeholder 2"/>
@@ -2184,7 +2187,7 @@
               <a:p>
                 <a:r>
                   <a:rPr lang="en-AU" dirty="0"/>
-                  <a:t>4. The obstacles are expected to be in a range of </a:t>
+                  <a:t>4. The obstacles are expected to be at </a:t>
                 </a:r>
                 <a14:m>
                   <m:oMath xmlns:m="http://schemas.openxmlformats.org/officeDocument/2006/math">
@@ -2223,25 +2226,19 @@
                 </a14:m>
                 <a:r>
                   <a:rPr lang="en-AU" dirty="0"/>
-                  <a:t> relative to the grid as the sensors require a near perpendicular surface to operate. </a:t>
+                  <a:t> relative to the grid as the range sensors require a near perpendicular surface to operate. </a:t>
                 </a:r>
               </a:p>
               <a:p>
                 <a:r>
                   <a:rPr lang="en-AU" dirty="0"/>
-                  <a:t>If not, the sensors will not accurately and consistently detect the correct distance of the obstacles.</a:t>
-                </a:r>
-              </a:p>
-              <a:p>
-                <a:r>
-                  <a:rPr lang="en-AU" dirty="0"/>
-                  <a:t>If it is confirmed by the stakeholder that this is a genuine risk, a sweeping technique will be introduced to maximise chance of getting perpendicular surface. </a:t>
+                  <a:t>If it is confirmed that this is a genuine risk, a sweeping technique will be introduced to maximise chance of getting perpendicular surface. </a:t>
                 </a:r>
               </a:p>
             </p:txBody>
           </p:sp>
         </mc:Choice>
-        <mc:Fallback>
+        <mc:Fallback xmlns="">
           <p:sp>
             <p:nvSpPr>
               <p:cNvPr id="3" name="Notes Placeholder 2"/>
@@ -2382,7 +2379,7 @@
           <a:p>
             <a:r>
               <a:rPr lang="en-AU" dirty="0"/>
-              <a:t>If it is confirmed by the stakeholder that this is a genuine risk, each grid square will be broken up into smaller segments to allow for a higher resolution for obstacle location allocation as shown in the figure.</a:t>
+              <a:t>If it is confirmed that this is a genuine risk, each grid square will be broken up into smaller segments to allow for a higher resolution obstacle location allocation as shown in the figure.</a:t>
             </a:r>
           </a:p>
         </p:txBody>
@@ -2572,7 +2569,7 @@
           <a:p>
             <a:fld id="{DD1D0308-FED6-4509-A163-56E4E9891254}" type="datetimeFigureOut">
               <a:rPr lang="en-AU" smtClean="0"/>
-              <a:t>25/03/2018</a:t>
+              <a:t>26/03/2018</a:t>
             </a:fld>
             <a:endParaRPr lang="en-AU"/>
           </a:p>
@@ -2772,7 +2769,7 @@
           <a:p>
             <a:fld id="{DD1D0308-FED6-4509-A163-56E4E9891254}" type="datetimeFigureOut">
               <a:rPr lang="en-AU" smtClean="0"/>
-              <a:t>25/03/2018</a:t>
+              <a:t>26/03/2018</a:t>
             </a:fld>
             <a:endParaRPr lang="en-AU"/>
           </a:p>
@@ -2982,7 +2979,7 @@
           <a:p>
             <a:fld id="{DD1D0308-FED6-4509-A163-56E4E9891254}" type="datetimeFigureOut">
               <a:rPr lang="en-AU" smtClean="0"/>
-              <a:t>25/03/2018</a:t>
+              <a:t>26/03/2018</a:t>
             </a:fld>
             <a:endParaRPr lang="en-AU"/>
           </a:p>
@@ -3182,7 +3179,7 @@
           <a:p>
             <a:fld id="{DD1D0308-FED6-4509-A163-56E4E9891254}" type="datetimeFigureOut">
               <a:rPr lang="en-AU" smtClean="0"/>
-              <a:t>25/03/2018</a:t>
+              <a:t>26/03/2018</a:t>
             </a:fld>
             <a:endParaRPr lang="en-AU"/>
           </a:p>
@@ -3458,7 +3455,7 @@
           <a:p>
             <a:fld id="{DD1D0308-FED6-4509-A163-56E4E9891254}" type="datetimeFigureOut">
               <a:rPr lang="en-AU" smtClean="0"/>
-              <a:t>25/03/2018</a:t>
+              <a:t>26/03/2018</a:t>
             </a:fld>
             <a:endParaRPr lang="en-AU"/>
           </a:p>
@@ -3726,7 +3723,7 @@
           <a:p>
             <a:fld id="{DD1D0308-FED6-4509-A163-56E4E9891254}" type="datetimeFigureOut">
               <a:rPr lang="en-AU" smtClean="0"/>
-              <a:t>25/03/2018</a:t>
+              <a:t>26/03/2018</a:t>
             </a:fld>
             <a:endParaRPr lang="en-AU"/>
           </a:p>
@@ -4141,7 +4138,7 @@
           <a:p>
             <a:fld id="{DD1D0308-FED6-4509-A163-56E4E9891254}" type="datetimeFigureOut">
               <a:rPr lang="en-AU" smtClean="0"/>
-              <a:t>25/03/2018</a:t>
+              <a:t>26/03/2018</a:t>
             </a:fld>
             <a:endParaRPr lang="en-AU"/>
           </a:p>
@@ -4283,7 +4280,7 @@
           <a:p>
             <a:fld id="{DD1D0308-FED6-4509-A163-56E4E9891254}" type="datetimeFigureOut">
               <a:rPr lang="en-AU" smtClean="0"/>
-              <a:t>25/03/2018</a:t>
+              <a:t>26/03/2018</a:t>
             </a:fld>
             <a:endParaRPr lang="en-AU"/>
           </a:p>
@@ -4396,7 +4393,7 @@
           <a:p>
             <a:fld id="{DD1D0308-FED6-4509-A163-56E4E9891254}" type="datetimeFigureOut">
               <a:rPr lang="en-AU" smtClean="0"/>
-              <a:t>25/03/2018</a:t>
+              <a:t>26/03/2018</a:t>
             </a:fld>
             <a:endParaRPr lang="en-AU"/>
           </a:p>
@@ -4709,7 +4706,7 @@
           <a:p>
             <a:fld id="{DD1D0308-FED6-4509-A163-56E4E9891254}" type="datetimeFigureOut">
               <a:rPr lang="en-AU" smtClean="0"/>
-              <a:t>25/03/2018</a:t>
+              <a:t>26/03/2018</a:t>
             </a:fld>
             <a:endParaRPr lang="en-AU"/>
           </a:p>
@@ -4998,7 +4995,7 @@
           <a:p>
             <a:fld id="{DD1D0308-FED6-4509-A163-56E4E9891254}" type="datetimeFigureOut">
               <a:rPr lang="en-AU" smtClean="0"/>
-              <a:t>25/03/2018</a:t>
+              <a:t>26/03/2018</a:t>
             </a:fld>
             <a:endParaRPr lang="en-AU"/>
           </a:p>
@@ -5241,7 +5238,7 @@
           <a:p>
             <a:fld id="{DD1D0308-FED6-4509-A163-56E4E9891254}" type="datetimeFigureOut">
               <a:rPr lang="en-AU" smtClean="0"/>
-              <a:t>25/03/2018</a:t>
+              <a:t>26/03/2018</a:t>
             </a:fld>
             <a:endParaRPr lang="en-AU"/>
           </a:p>
@@ -6155,8 +6152,8 @@
           </a:p>
         </p:txBody>
       </p:sp>
-      <mc:AlternateContent xmlns:mc="http://schemas.openxmlformats.org/markup-compatibility/2006">
-        <mc:Choice xmlns:a14="http://schemas.microsoft.com/office/drawing/2010/main" Requires="a14">
+      <mc:AlternateContent xmlns:mc="http://schemas.openxmlformats.org/markup-compatibility/2006" xmlns:a14="http://schemas.microsoft.com/office/drawing/2010/main">
+        <mc:Choice Requires="a14">
           <p:graphicFrame>
             <p:nvGraphicFramePr>
               <p:cNvPr id="8" name="Table 7">
@@ -7017,7 +7014,7 @@
             </a:graphic>
           </p:graphicFrame>
         </mc:Choice>
-        <mc:Fallback>
+        <mc:Fallback xmlns="">
           <p:graphicFrame>
             <p:nvGraphicFramePr>
               <p:cNvPr id="8" name="Table 7">
@@ -8006,8 +8003,8 @@
           </a:p>
         </p:txBody>
       </p:sp>
-      <mc:AlternateContent xmlns:mc="http://schemas.openxmlformats.org/markup-compatibility/2006">
-        <mc:Choice xmlns:a14="http://schemas.microsoft.com/office/drawing/2010/main" Requires="a14">
+      <mc:AlternateContent xmlns:mc="http://schemas.openxmlformats.org/markup-compatibility/2006" xmlns:a14="http://schemas.microsoft.com/office/drawing/2010/main">
+        <mc:Choice Requires="a14">
           <p:graphicFrame>
             <p:nvGraphicFramePr>
               <p:cNvPr id="4" name="Table 3">
@@ -8868,7 +8865,7 @@
             </a:graphic>
           </p:graphicFrame>
         </mc:Choice>
-        <mc:Fallback>
+        <mc:Fallback xmlns="">
           <p:graphicFrame>
             <p:nvGraphicFramePr>
               <p:cNvPr id="4" name="Table 3">
@@ -9862,8 +9859,8 @@
           </a:p>
         </p:txBody>
       </p:sp>
-      <mc:AlternateContent xmlns:mc="http://schemas.openxmlformats.org/markup-compatibility/2006">
-        <mc:Choice xmlns:a14="http://schemas.microsoft.com/office/drawing/2010/main" Requires="a14">
+      <mc:AlternateContent xmlns:mc="http://schemas.openxmlformats.org/markup-compatibility/2006" xmlns:a14="http://schemas.microsoft.com/office/drawing/2010/main">
+        <mc:Choice Requires="a14">
           <p:graphicFrame>
             <p:nvGraphicFramePr>
               <p:cNvPr id="4" name="Table 3">
@@ -10724,7 +10721,7 @@
             </a:graphic>
           </p:graphicFrame>
         </mc:Choice>
-        <mc:Fallback>
+        <mc:Fallback xmlns="">
           <p:graphicFrame>
             <p:nvGraphicFramePr>
               <p:cNvPr id="4" name="Table 3">
@@ -11611,8 +11608,8 @@
         </p:blipFill>
         <p:spPr>
           <a:xfrm>
-            <a:off x="7103236" y="5288368"/>
-            <a:ext cx="4913869" cy="1180805"/>
+            <a:off x="6198632" y="5288368"/>
+            <a:ext cx="5818474" cy="1398182"/>
           </a:xfrm>
           <a:prstGeom prst="rect">
             <a:avLst/>
@@ -11800,8 +11797,8 @@
           </a:p>
         </p:txBody>
       </p:sp>
-      <mc:AlternateContent xmlns:mc="http://schemas.openxmlformats.org/markup-compatibility/2006">
-        <mc:Choice xmlns:a14="http://schemas.microsoft.com/office/drawing/2010/main" Requires="a14">
+      <mc:AlternateContent xmlns:mc="http://schemas.openxmlformats.org/markup-compatibility/2006" xmlns:a14="http://schemas.microsoft.com/office/drawing/2010/main">
+        <mc:Choice Requires="a14">
           <p:graphicFrame>
             <p:nvGraphicFramePr>
               <p:cNvPr id="4" name="Table 3">
@@ -12662,7 +12659,7 @@
             </a:graphic>
           </p:graphicFrame>
         </mc:Choice>
-        <mc:Fallback>
+        <mc:Fallback xmlns="">
           <p:graphicFrame>
             <p:nvGraphicFramePr>
               <p:cNvPr id="4" name="Table 3">
@@ -13620,8 +13617,8 @@
           </a:p>
         </p:txBody>
       </p:sp>
-      <mc:AlternateContent xmlns:mc="http://schemas.openxmlformats.org/markup-compatibility/2006">
-        <mc:Choice xmlns:a14="http://schemas.microsoft.com/office/drawing/2010/main" Requires="a14">
+      <mc:AlternateContent xmlns:mc="http://schemas.openxmlformats.org/markup-compatibility/2006" xmlns:a14="http://schemas.microsoft.com/office/drawing/2010/main">
+        <mc:Choice Requires="a14">
           <p:graphicFrame>
             <p:nvGraphicFramePr>
               <p:cNvPr id="4" name="Table 3">
@@ -14482,7 +14479,7 @@
             </a:graphic>
           </p:graphicFrame>
         </mc:Choice>
-        <mc:Fallback>
+        <mc:Fallback xmlns="">
           <p:graphicFrame>
             <p:nvGraphicFramePr>
               <p:cNvPr id="4" name="Table 3">

--- a/System Documentation/ODS powerpoint.pptx
+++ b/System Documentation/ODS powerpoint.pptx
@@ -5,17 +5,16 @@
     <p:sldMasterId id="2147483648" r:id="rId1"/>
   </p:sldMasterIdLst>
   <p:notesMasterIdLst>
-    <p:notesMasterId r:id="rId10"/>
+    <p:notesMasterId r:id="rId9"/>
   </p:notesMasterIdLst>
   <p:sldIdLst>
-    <p:sldId id="261" r:id="rId2"/>
-    <p:sldId id="257" r:id="rId3"/>
-    <p:sldId id="258" r:id="rId4"/>
-    <p:sldId id="259" r:id="rId5"/>
-    <p:sldId id="260" r:id="rId6"/>
-    <p:sldId id="263" r:id="rId7"/>
-    <p:sldId id="264" r:id="rId8"/>
-    <p:sldId id="265" r:id="rId9"/>
+    <p:sldId id="257" r:id="rId2"/>
+    <p:sldId id="258" r:id="rId3"/>
+    <p:sldId id="259" r:id="rId4"/>
+    <p:sldId id="260" r:id="rId5"/>
+    <p:sldId id="263" r:id="rId6"/>
+    <p:sldId id="264" r:id="rId7"/>
+    <p:sldId id="265" r:id="rId8"/>
   </p:sldIdLst>
   <p:sldSz cx="12192000" cy="6858000"/>
   <p:notesSz cx="6858000" cy="9144000"/>
@@ -129,8 +128,8 @@
 <pc:chgInfo xmlns:a="http://schemas.openxmlformats.org/drawingml/2006/main" xmlns:r="http://schemas.openxmlformats.org/officeDocument/2006/relationships" xmlns:ac="http://schemas.microsoft.com/office/drawing/2013/main/command" xmlns:pc="http://schemas.microsoft.com/office/powerpoint/2013/main/command">
   <pc:docChgLst>
     <pc:chgData name="Alexander Gee" userId="485603e6-5891-4220-a85c-b0950bcd52be" providerId="ADAL" clId="{CDAFFAC8-AF76-4CA3-98AC-3E213656C84F}"/>
-    <pc:docChg chg="undo custSel addSld delSld modSld sldOrd">
-      <pc:chgData name="Alexander Gee" userId="485603e6-5891-4220-a85c-b0950bcd52be" providerId="ADAL" clId="{CDAFFAC8-AF76-4CA3-98AC-3E213656C84F}" dt="2018-03-25T22:47:19.260" v="6348" actId="20577"/>
+    <pc:docChg chg="undo redo custSel addSld delSld modSld sldOrd">
+      <pc:chgData name="Alexander Gee" userId="485603e6-5891-4220-a85c-b0950bcd52be" providerId="ADAL" clId="{CDAFFAC8-AF76-4CA3-98AC-3E213656C84F}" dt="2018-03-26T10:43:55.413" v="6556"/>
       <pc:docMkLst>
         <pc:docMk/>
       </pc:docMkLst>
@@ -142,13 +141,21 @@
         </pc:sldMkLst>
       </pc:sldChg>
       <pc:sldChg chg="addSp delSp modSp modNotesTx">
-        <pc:chgData name="Alexander Gee" userId="485603e6-5891-4220-a85c-b0950bcd52be" providerId="ADAL" clId="{CDAFFAC8-AF76-4CA3-98AC-3E213656C84F}" dt="2018-03-25T12:09:00.144" v="3094" actId="20577"/>
+        <pc:chgData name="Alexander Gee" userId="485603e6-5891-4220-a85c-b0950bcd52be" providerId="ADAL" clId="{CDAFFAC8-AF76-4CA3-98AC-3E213656C84F}" dt="2018-03-26T09:47:21.622" v="6501" actId="20577"/>
         <pc:sldMkLst>
           <pc:docMk/>
           <pc:sldMk cId="937563792" sldId="257"/>
         </pc:sldMkLst>
         <pc:spChg chg="mod">
-          <ac:chgData name="Alexander Gee" userId="485603e6-5891-4220-a85c-b0950bcd52be" providerId="ADAL" clId="{CDAFFAC8-AF76-4CA3-98AC-3E213656C84F}" dt="2018-03-25T12:03:05.244" v="2509" actId="20577"/>
+          <ac:chgData name="Alexander Gee" userId="485603e6-5891-4220-a85c-b0950bcd52be" providerId="ADAL" clId="{CDAFFAC8-AF76-4CA3-98AC-3E213656C84F}" dt="2018-03-26T09:47:21.622" v="6501" actId="20577"/>
+          <ac:spMkLst>
+            <pc:docMk/>
+            <pc:sldMk cId="937563792" sldId="257"/>
+            <ac:spMk id="2" creationId="{D40F2B65-4275-48B5-B963-6BA87F8AF9E7}"/>
+          </ac:spMkLst>
+        </pc:spChg>
+        <pc:spChg chg="mod">
+          <ac:chgData name="Alexander Gee" userId="485603e6-5891-4220-a85c-b0950bcd52be" providerId="ADAL" clId="{CDAFFAC8-AF76-4CA3-98AC-3E213656C84F}" dt="2018-03-26T09:31:03.443" v="6386" actId="6549"/>
           <ac:spMkLst>
             <pc:docMk/>
             <pc:sldMk cId="937563792" sldId="257"/>
@@ -300,7 +307,7 @@
         </pc:picChg>
       </pc:sldChg>
       <pc:sldChg chg="addSp delSp modSp modNotesTx">
-        <pc:chgData name="Alexander Gee" userId="485603e6-5891-4220-a85c-b0950bcd52be" providerId="ADAL" clId="{CDAFFAC8-AF76-4CA3-98AC-3E213656C84F}" dt="2018-03-25T22:18:44.816" v="6160" actId="6549"/>
+        <pc:chgData name="Alexander Gee" userId="485603e6-5891-4220-a85c-b0950bcd52be" providerId="ADAL" clId="{CDAFFAC8-AF76-4CA3-98AC-3E213656C84F}" dt="2018-03-26T10:43:55.413" v="6556"/>
         <pc:sldMkLst>
           <pc:docMk/>
           <pc:sldMk cId="1108688081" sldId="259"/>
@@ -346,7 +353,7 @@
           </ac:graphicFrameMkLst>
         </pc:graphicFrameChg>
         <pc:graphicFrameChg chg="add mod modGraphic">
-          <ac:chgData name="Alexander Gee" userId="485603e6-5891-4220-a85c-b0950bcd52be" providerId="ADAL" clId="{CDAFFAC8-AF76-4CA3-98AC-3E213656C84F}" dt="2018-03-25T11:57:04.595" v="2367" actId="2164"/>
+          <ac:chgData name="Alexander Gee" userId="485603e6-5891-4220-a85c-b0950bcd52be" providerId="ADAL" clId="{CDAFFAC8-AF76-4CA3-98AC-3E213656C84F}" dt="2018-03-26T10:43:55.413" v="6556"/>
           <ac:graphicFrameMkLst>
             <pc:docMk/>
             <pc:sldMk cId="1108688081" sldId="259"/>
@@ -379,7 +386,7 @@
         </pc:picChg>
       </pc:sldChg>
       <pc:sldChg chg="addSp delSp modSp modNotesTx">
-        <pc:chgData name="Alexander Gee" userId="485603e6-5891-4220-a85c-b0950bcd52be" providerId="ADAL" clId="{CDAFFAC8-AF76-4CA3-98AC-3E213656C84F}" dt="2018-03-25T22:41:42.932" v="6204" actId="20577"/>
+        <pc:chgData name="Alexander Gee" userId="485603e6-5891-4220-a85c-b0950bcd52be" providerId="ADAL" clId="{CDAFFAC8-AF76-4CA3-98AC-3E213656C84F}" dt="2018-03-26T10:43:41.674" v="6552" actId="20577"/>
         <pc:sldMkLst>
           <pc:docMk/>
           <pc:sldMk cId="2851834824" sldId="260"/>
@@ -417,7 +424,7 @@
           </ac:spMkLst>
         </pc:spChg>
         <pc:graphicFrameChg chg="add mod modGraphic">
-          <ac:chgData name="Alexander Gee" userId="485603e6-5891-4220-a85c-b0950bcd52be" providerId="ADAL" clId="{CDAFFAC8-AF76-4CA3-98AC-3E213656C84F}" dt="2018-03-25T11:57:01.703" v="2366" actId="2164"/>
+          <ac:chgData name="Alexander Gee" userId="485603e6-5891-4220-a85c-b0950bcd52be" providerId="ADAL" clId="{CDAFFAC8-AF76-4CA3-98AC-3E213656C84F}" dt="2018-03-26T10:43:41.674" v="6552" actId="20577"/>
           <ac:graphicFrameMkLst>
             <pc:docMk/>
             <pc:sldMk cId="2851834824" sldId="260"/>
@@ -449,8 +456,8 @@
           </ac:picMkLst>
         </pc:picChg>
       </pc:sldChg>
-      <pc:sldChg chg="addSp delSp modSp ord modNotesTx">
-        <pc:chgData name="Alexander Gee" userId="485603e6-5891-4220-a85c-b0950bcd52be" providerId="ADAL" clId="{CDAFFAC8-AF76-4CA3-98AC-3E213656C84F}" dt="2018-03-25T12:05:59.834" v="2648" actId="20577"/>
+      <pc:sldChg chg="addSp delSp modSp del ord modNotesTx">
+        <pc:chgData name="Alexander Gee" userId="485603e6-5891-4220-a85c-b0950bcd52be" providerId="ADAL" clId="{CDAFFAC8-AF76-4CA3-98AC-3E213656C84F}" dt="2018-03-26T08:46:03.826" v="6349" actId="2696"/>
         <pc:sldMkLst>
           <pc:docMk/>
           <pc:sldMk cId="2622074118" sldId="261"/>
@@ -536,7 +543,7 @@
         </pc:graphicFrameChg>
       </pc:sldChg>
       <pc:sldChg chg="addSp delSp modSp add modNotesTx">
-        <pc:chgData name="Alexander Gee" userId="485603e6-5891-4220-a85c-b0950bcd52be" providerId="ADAL" clId="{CDAFFAC8-AF76-4CA3-98AC-3E213656C84F}" dt="2018-03-25T22:43:14.394" v="6332" actId="6549"/>
+        <pc:chgData name="Alexander Gee" userId="485603e6-5891-4220-a85c-b0950bcd52be" providerId="ADAL" clId="{CDAFFAC8-AF76-4CA3-98AC-3E213656C84F}" dt="2018-03-26T10:43:48.190" v="6553"/>
         <pc:sldMkLst>
           <pc:docMk/>
           <pc:sldMk cId="1957153345" sldId="263"/>
@@ -549,20 +556,20 @@
             <ac:spMk id="2" creationId="{1C42D70D-174E-4F6B-81CC-A4C4FE4B1321}"/>
           </ac:spMkLst>
         </pc:spChg>
+        <pc:spChg chg="del">
+          <ac:chgData name="Alexander Gee" userId="485603e6-5891-4220-a85c-b0950bcd52be" providerId="ADAL" clId="{CDAFFAC8-AF76-4CA3-98AC-3E213656C84F}" dt="2018-03-25T10:10:35.346" v="1239" actId="478"/>
+          <ac:spMkLst>
+            <pc:docMk/>
+            <pc:sldMk cId="1957153345" sldId="263"/>
+            <ac:spMk id="3" creationId="{565FBDF0-91BC-4ED7-A7A8-8C7D8B1950C8}"/>
+          </ac:spMkLst>
+        </pc:spChg>
         <pc:spChg chg="add mod">
           <ac:chgData name="Alexander Gee" userId="485603e6-5891-4220-a85c-b0950bcd52be" providerId="ADAL" clId="{CDAFFAC8-AF76-4CA3-98AC-3E213656C84F}" dt="2018-03-25T12:24:34.488" v="4674" actId="1076"/>
           <ac:spMkLst>
             <pc:docMk/>
             <pc:sldMk cId="1957153345" sldId="263"/>
             <ac:spMk id="3" creationId="{35AF39F4-92E0-4E35-9B89-26959511F275}"/>
-          </ac:spMkLst>
-        </pc:spChg>
-        <pc:spChg chg="del">
-          <ac:chgData name="Alexander Gee" userId="485603e6-5891-4220-a85c-b0950bcd52be" providerId="ADAL" clId="{CDAFFAC8-AF76-4CA3-98AC-3E213656C84F}" dt="2018-03-25T10:10:35.346" v="1239" actId="478"/>
-          <ac:spMkLst>
-            <pc:docMk/>
-            <pc:sldMk cId="1957153345" sldId="263"/>
-            <ac:spMk id="3" creationId="{565FBDF0-91BC-4ED7-A7A8-8C7D8B1950C8}"/>
           </ac:spMkLst>
         </pc:spChg>
         <pc:spChg chg="add">
@@ -574,15 +581,23 @@
           </ac:spMkLst>
         </pc:spChg>
         <pc:spChg chg="add mod">
-          <ac:chgData name="Alexander Gee" userId="485603e6-5891-4220-a85c-b0950bcd52be" providerId="ADAL" clId="{CDAFFAC8-AF76-4CA3-98AC-3E213656C84F}" dt="2018-03-25T12:24:03.951" v="4624" actId="1076"/>
+          <ac:chgData name="Alexander Gee" userId="485603e6-5891-4220-a85c-b0950bcd52be" providerId="ADAL" clId="{CDAFFAC8-AF76-4CA3-98AC-3E213656C84F}" dt="2018-03-26T09:34:14.964" v="6397" actId="1076"/>
           <ac:spMkLst>
             <pc:docMk/>
             <pc:sldMk cId="1957153345" sldId="263"/>
             <ac:spMk id="9" creationId="{24372204-28AF-4EFE-AADD-4986E8246FF4}"/>
           </ac:spMkLst>
         </pc:spChg>
+        <pc:spChg chg="add mod">
+          <ac:chgData name="Alexander Gee" userId="485603e6-5891-4220-a85c-b0950bcd52be" providerId="ADAL" clId="{CDAFFAC8-AF76-4CA3-98AC-3E213656C84F}" dt="2018-03-26T09:45:28.937" v="6486" actId="1076"/>
+          <ac:spMkLst>
+            <pc:docMk/>
+            <pc:sldMk cId="1957153345" sldId="263"/>
+            <ac:spMk id="10" creationId="{FB0025AF-4BBE-4D9A-8A72-ADE6ADE947BC}"/>
+          </ac:spMkLst>
+        </pc:spChg>
         <pc:graphicFrameChg chg="add mod modGraphic">
-          <ac:chgData name="Alexander Gee" userId="485603e6-5891-4220-a85c-b0950bcd52be" providerId="ADAL" clId="{CDAFFAC8-AF76-4CA3-98AC-3E213656C84F}" dt="2018-03-25T11:56:49.987" v="2363" actId="2164"/>
+          <ac:chgData name="Alexander Gee" userId="485603e6-5891-4220-a85c-b0950bcd52be" providerId="ADAL" clId="{CDAFFAC8-AF76-4CA3-98AC-3E213656C84F}" dt="2018-03-26T10:43:48.190" v="6553"/>
           <ac:graphicFrameMkLst>
             <pc:docMk/>
             <pc:sldMk cId="1957153345" sldId="263"/>
@@ -598,7 +613,7 @@
           </ac:picMkLst>
         </pc:picChg>
         <pc:picChg chg="add mod">
-          <ac:chgData name="Alexander Gee" userId="485603e6-5891-4220-a85c-b0950bcd52be" providerId="ADAL" clId="{CDAFFAC8-AF76-4CA3-98AC-3E213656C84F}" dt="2018-03-25T22:35:03.435" v="6200" actId="14100"/>
+          <ac:chgData name="Alexander Gee" userId="485603e6-5891-4220-a85c-b0950bcd52be" providerId="ADAL" clId="{CDAFFAC8-AF76-4CA3-98AC-3E213656C84F}" dt="2018-03-26T09:35:02.501" v="6443" actId="14100"/>
           <ac:picMkLst>
             <pc:docMk/>
             <pc:sldMk cId="1957153345" sldId="263"/>
@@ -606,7 +621,7 @@
           </ac:picMkLst>
         </pc:picChg>
         <pc:picChg chg="add mod">
-          <ac:chgData name="Alexander Gee" userId="485603e6-5891-4220-a85c-b0950bcd52be" providerId="ADAL" clId="{CDAFFAC8-AF76-4CA3-98AC-3E213656C84F}" dt="2018-03-25T12:24:01.141" v="4623" actId="1076"/>
+          <ac:chgData name="Alexander Gee" userId="485603e6-5891-4220-a85c-b0950bcd52be" providerId="ADAL" clId="{CDAFFAC8-AF76-4CA3-98AC-3E213656C84F}" dt="2018-03-26T09:34:05.901" v="6395" actId="1076"/>
           <ac:picMkLst>
             <pc:docMk/>
             <pc:sldMk cId="1957153345" sldId="263"/>
@@ -615,7 +630,7 @@
         </pc:picChg>
       </pc:sldChg>
       <pc:sldChg chg="addSp delSp modSp add modNotesTx">
-        <pc:chgData name="Alexander Gee" userId="485603e6-5891-4220-a85c-b0950bcd52be" providerId="ADAL" clId="{CDAFFAC8-AF76-4CA3-98AC-3E213656C84F}" dt="2018-03-25T22:47:19.260" v="6348" actId="20577"/>
+        <pc:chgData name="Alexander Gee" userId="485603e6-5891-4220-a85c-b0950bcd52be" providerId="ADAL" clId="{CDAFFAC8-AF76-4CA3-98AC-3E213656C84F}" dt="2018-03-26T10:43:50.262" v="6554"/>
         <pc:sldMkLst>
           <pc:docMk/>
           <pc:sldMk cId="661383584" sldId="264"/>
@@ -645,7 +660,7 @@
           </ac:spMkLst>
         </pc:spChg>
         <pc:spChg chg="add mod">
-          <ac:chgData name="Alexander Gee" userId="485603e6-5891-4220-a85c-b0950bcd52be" providerId="ADAL" clId="{CDAFFAC8-AF76-4CA3-98AC-3E213656C84F}" dt="2018-03-25T11:59:30.048" v="2435" actId="1076"/>
+          <ac:chgData name="Alexander Gee" userId="485603e6-5891-4220-a85c-b0950bcd52be" providerId="ADAL" clId="{CDAFFAC8-AF76-4CA3-98AC-3E213656C84F}" dt="2018-03-26T09:46:05.145" v="6492" actId="1076"/>
           <ac:spMkLst>
             <pc:docMk/>
             <pc:sldMk cId="661383584" sldId="264"/>
@@ -653,16 +668,24 @@
           </ac:spMkLst>
         </pc:spChg>
         <pc:graphicFrameChg chg="add mod modGraphic">
-          <ac:chgData name="Alexander Gee" userId="485603e6-5891-4220-a85c-b0950bcd52be" providerId="ADAL" clId="{CDAFFAC8-AF76-4CA3-98AC-3E213656C84F}" dt="2018-03-25T11:56:54.214" v="2364" actId="2164"/>
+          <ac:chgData name="Alexander Gee" userId="485603e6-5891-4220-a85c-b0950bcd52be" providerId="ADAL" clId="{CDAFFAC8-AF76-4CA3-98AC-3E213656C84F}" dt="2018-03-26T10:43:50.262" v="6554"/>
           <ac:graphicFrameMkLst>
             <pc:docMk/>
             <pc:sldMk cId="661383584" sldId="264"/>
             <ac:graphicFrameMk id="4" creationId="{A2F03307-37C8-47BC-A64D-5EDC5C67391E}"/>
           </ac:graphicFrameMkLst>
         </pc:graphicFrameChg>
+        <pc:picChg chg="add mod ord">
+          <ac:chgData name="Alexander Gee" userId="485603e6-5891-4220-a85c-b0950bcd52be" providerId="ADAL" clId="{CDAFFAC8-AF76-4CA3-98AC-3E213656C84F}" dt="2018-03-26T09:46:33.992" v="6499" actId="14100"/>
+          <ac:picMkLst>
+            <pc:docMk/>
+            <pc:sldMk cId="661383584" sldId="264"/>
+            <ac:picMk id="3" creationId="{0E1A493B-266F-4EA6-89A9-47BFC40C425A}"/>
+          </ac:picMkLst>
+        </pc:picChg>
       </pc:sldChg>
       <pc:sldChg chg="addSp delSp modSp add modNotesTx">
-        <pc:chgData name="Alexander Gee" userId="485603e6-5891-4220-a85c-b0950bcd52be" providerId="ADAL" clId="{CDAFFAC8-AF76-4CA3-98AC-3E213656C84F}" dt="2018-03-25T22:44:46.173" v="6346" actId="6549"/>
+        <pc:chgData name="Alexander Gee" userId="485603e6-5891-4220-a85c-b0950bcd52be" providerId="ADAL" clId="{CDAFFAC8-AF76-4CA3-98AC-3E213656C84F}" dt="2018-03-26T10:43:51.932" v="6555"/>
         <pc:sldMkLst>
           <pc:docMk/>
           <pc:sldMk cId="3943801269" sldId="265"/>
@@ -700,7 +723,7 @@
           </ac:spMkLst>
         </pc:spChg>
         <pc:graphicFrameChg chg="add mod modGraphic">
-          <ac:chgData name="Alexander Gee" userId="485603e6-5891-4220-a85c-b0950bcd52be" providerId="ADAL" clId="{CDAFFAC8-AF76-4CA3-98AC-3E213656C84F}" dt="2018-03-25T11:56:56.713" v="2365" actId="2164"/>
+          <ac:chgData name="Alexander Gee" userId="485603e6-5891-4220-a85c-b0950bcd52be" providerId="ADAL" clId="{CDAFFAC8-AF76-4CA3-98AC-3E213656C84F}" dt="2018-03-26T10:43:51.932" v="6555"/>
           <ac:graphicFrameMkLst>
             <pc:docMk/>
             <pc:sldMk cId="3943801269" sldId="265"/>
@@ -1162,93 +1185,6 @@
           <a:bodyPr/>
           <a:lstStyle/>
           <a:p>
-            <a:r>
-              <a:rPr lang="en-AU" dirty="0"/>
-              <a:t>I’ll be briefly talking about the Obstacle Detection System, which is highlighted on the Context Diagram</a:t>
-            </a:r>
-          </a:p>
-        </p:txBody>
-      </p:sp>
-      <p:sp>
-        <p:nvSpPr>
-          <p:cNvPr id="4" name="Slide Number Placeholder 3"/>
-          <p:cNvSpPr>
-            <a:spLocks noGrp="1"/>
-          </p:cNvSpPr>
-          <p:nvPr>
-            <p:ph type="sldNum" sz="quarter" idx="10"/>
-          </p:nvPr>
-        </p:nvSpPr>
-        <p:spPr/>
-        <p:txBody>
-          <a:bodyPr/>
-          <a:lstStyle/>
-          <a:p>
-            <a:fld id="{02FE743E-A84C-43AB-92CE-28D1DBE6EC7B}" type="slidenum">
-              <a:rPr lang="en-AU" smtClean="0"/>
-              <a:t>1</a:t>
-            </a:fld>
-            <a:endParaRPr lang="en-AU"/>
-          </a:p>
-        </p:txBody>
-      </p:sp>
-    </p:spTree>
-    <p:extLst>
-      <p:ext uri="{BB962C8B-B14F-4D97-AF65-F5344CB8AC3E}">
-        <p14:creationId xmlns:p14="http://schemas.microsoft.com/office/powerpoint/2010/main" val="4164194557"/>
-      </p:ext>
-    </p:extLst>
-  </p:cSld>
-  <p:clrMapOvr>
-    <a:masterClrMapping/>
-  </p:clrMapOvr>
-</p:notes>
-</file>
-
-<file path=ppt/notesSlides/notesSlide2.xml><?xml version="1.0" encoding="utf-8"?>
-<p:notes xmlns:a="http://schemas.openxmlformats.org/drawingml/2006/main" xmlns:r="http://schemas.openxmlformats.org/officeDocument/2006/relationships" xmlns:p="http://schemas.openxmlformats.org/presentationml/2006/main">
-  <p:cSld>
-    <p:spTree>
-      <p:nvGrpSpPr>
-        <p:cNvPr id="1" name=""/>
-        <p:cNvGrpSpPr/>
-        <p:nvPr/>
-      </p:nvGrpSpPr>
-      <p:grpSpPr>
-        <a:xfrm>
-          <a:off x="0" y="0"/>
-          <a:ext cx="0" cy="0"/>
-          <a:chOff x="0" y="0"/>
-          <a:chExt cx="0" cy="0"/>
-        </a:xfrm>
-      </p:grpSpPr>
-      <p:sp>
-        <p:nvSpPr>
-          <p:cNvPr id="2" name="Slide Image Placeholder 1"/>
-          <p:cNvSpPr>
-            <a:spLocks noGrp="1" noRot="1" noChangeAspect="1"/>
-          </p:cNvSpPr>
-          <p:nvPr>
-            <p:ph type="sldImg"/>
-          </p:nvPr>
-        </p:nvSpPr>
-        <p:spPr/>
-      </p:sp>
-      <p:sp>
-        <p:nvSpPr>
-          <p:cNvPr id="3" name="Notes Placeholder 2"/>
-          <p:cNvSpPr>
-            <a:spLocks noGrp="1"/>
-          </p:cNvSpPr>
-          <p:nvPr>
-            <p:ph type="body" idx="1"/>
-          </p:nvPr>
-        </p:nvSpPr>
-        <p:spPr/>
-        <p:txBody>
-          <a:bodyPr/>
-          <a:lstStyle/>
-          <a:p>
             <a:pPr marL="0" marR="0" lvl="0" indent="0" algn="l" defTabSz="914400" rtl="0" eaLnBrk="1" fontAlgn="auto" latinLnBrk="0" hangingPunct="1">
               <a:lnSpc>
                 <a:spcPct val="100000"/>
@@ -1382,7 +1318,7 @@
           <a:p>
             <a:fld id="{02FE743E-A84C-43AB-92CE-28D1DBE6EC7B}" type="slidenum">
               <a:rPr lang="en-AU" smtClean="0"/>
-              <a:t>2</a:t>
+              <a:t>1</a:t>
             </a:fld>
             <a:endParaRPr lang="en-AU"/>
           </a:p>
@@ -1401,7 +1337,7 @@
 </p:notes>
 </file>
 
-<file path=ppt/notesSlides/notesSlide3.xml><?xml version="1.0" encoding="utf-8"?>
+<file path=ppt/notesSlides/notesSlide2.xml><?xml version="1.0" encoding="utf-8"?>
 <p:notes xmlns:a="http://schemas.openxmlformats.org/drawingml/2006/main" xmlns:r="http://schemas.openxmlformats.org/officeDocument/2006/relationships" xmlns:p="http://schemas.openxmlformats.org/presentationml/2006/main">
   <p:cSld>
     <p:spTree>
@@ -1496,7 +1432,7 @@
           <a:p>
             <a:fld id="{02FE743E-A84C-43AB-92CE-28D1DBE6EC7B}" type="slidenum">
               <a:rPr lang="en-AU" smtClean="0"/>
-              <a:t>3</a:t>
+              <a:t>2</a:t>
             </a:fld>
             <a:endParaRPr lang="en-AU"/>
           </a:p>
@@ -1515,7 +1451,7 @@
 </p:notes>
 </file>
 
-<file path=ppt/notesSlides/notesSlide4.xml><?xml version="1.0" encoding="utf-8"?>
+<file path=ppt/notesSlides/notesSlide3.xml><?xml version="1.0" encoding="utf-8"?>
 <p:notes xmlns:a="http://schemas.openxmlformats.org/drawingml/2006/main" xmlns:r="http://schemas.openxmlformats.org/officeDocument/2006/relationships" xmlns:p="http://schemas.openxmlformats.org/presentationml/2006/main">
   <p:cSld>
     <p:spTree>
@@ -1711,7 +1647,7 @@
           <a:p>
             <a:fld id="{02FE743E-A84C-43AB-92CE-28D1DBE6EC7B}" type="slidenum">
               <a:rPr lang="en-AU" smtClean="0"/>
-              <a:t>4</a:t>
+              <a:t>3</a:t>
             </a:fld>
             <a:endParaRPr lang="en-AU"/>
           </a:p>
@@ -1730,7 +1666,7 @@
 </p:notes>
 </file>
 
-<file path=ppt/notesSlides/notesSlide5.xml><?xml version="1.0" encoding="utf-8"?>
+<file path=ppt/notesSlides/notesSlide4.xml><?xml version="1.0" encoding="utf-8"?>
 <p:notes xmlns:a="http://schemas.openxmlformats.org/drawingml/2006/main" xmlns:r="http://schemas.openxmlformats.org/officeDocument/2006/relationships" xmlns:p="http://schemas.openxmlformats.org/presentationml/2006/main">
   <p:cSld>
     <p:spTree>
@@ -1896,7 +1832,7 @@
           <a:p>
             <a:fld id="{02FE743E-A84C-43AB-92CE-28D1DBE6EC7B}" type="slidenum">
               <a:rPr lang="en-AU" smtClean="0"/>
-              <a:t>5</a:t>
+              <a:t>4</a:t>
             </a:fld>
             <a:endParaRPr lang="en-AU"/>
           </a:p>
@@ -1915,7 +1851,7 @@
 </p:notes>
 </file>
 
-<file path=ppt/notesSlides/notesSlide6.xml><?xml version="1.0" encoding="utf-8"?>
+<file path=ppt/notesSlides/notesSlide5.xml><?xml version="1.0" encoding="utf-8"?>
 <p:notes xmlns:a="http://schemas.openxmlformats.org/drawingml/2006/main" xmlns:r="http://schemas.openxmlformats.org/officeDocument/2006/relationships" xmlns:p="http://schemas.openxmlformats.org/presentationml/2006/main">
   <p:cSld>
     <p:spTree>
@@ -2040,7 +1976,7 @@
               <a:p>
                 <a:r>
                   <a:rPr lang="en-AU" dirty="0"/>
-                  <a:t>It has been determined that this range is reasonable, as a contingency a temperature sensor has been selected based on the comparison shown in the table.</a:t>
+                  <a:t>It has been determined that this range is reasonable, as a contingency however a temperature sensor has been selected based on the comparison shown in the table.</a:t>
                 </a:r>
               </a:p>
             </p:txBody>
@@ -2120,7 +2056,7 @@
           <a:p>
             <a:fld id="{02FE743E-A84C-43AB-92CE-28D1DBE6EC7B}" type="slidenum">
               <a:rPr lang="en-AU" smtClean="0"/>
-              <a:t>6</a:t>
+              <a:t>5</a:t>
             </a:fld>
             <a:endParaRPr lang="en-AU"/>
           </a:p>
@@ -2139,7 +2075,7 @@
 </p:notes>
 </file>
 
-<file path=ppt/notesSlides/notesSlide7.xml><?xml version="1.0" encoding="utf-8"?>
+<file path=ppt/notesSlides/notesSlide6.xml><?xml version="1.0" encoding="utf-8"?>
 <p:notes xmlns:a="http://schemas.openxmlformats.org/drawingml/2006/main" xmlns:r="http://schemas.openxmlformats.org/officeDocument/2006/relationships" xmlns:p="http://schemas.openxmlformats.org/presentationml/2006/main">
   <p:cSld>
     <p:spTree>
@@ -2226,13 +2162,29 @@
                 </a14:m>
                 <a:r>
                   <a:rPr lang="en-AU" dirty="0"/>
-                  <a:t> relative to the grid as the range sensors require a near perpendicular surface to operate. </a:t>
+                  <a:t> relative to the grid otherwise the sensors may not work as they require a near perpendicular surface to operate. </a:t>
                 </a:r>
               </a:p>
               <a:p>
                 <a:r>
                   <a:rPr lang="en-AU" dirty="0"/>
-                  <a:t>If it is confirmed that this is a genuine risk, a sweeping technique will be introduced to maximise chance of getting perpendicular surface. </a:t>
+                  <a:t>If required a sweeping technique will be </a:t>
+                </a:r>
+                <a:r>
+                  <a:rPr lang="en-AU"/>
+                  <a:t>introduced to maximise the </a:t>
+                </a:r>
+                <a:r>
+                  <a:rPr lang="en-AU" dirty="0"/>
+                  <a:t>chance </a:t>
+                </a:r>
+                <a:r>
+                  <a:rPr lang="en-AU"/>
+                  <a:t>of getting a </a:t>
+                </a:r>
+                <a:r>
+                  <a:rPr lang="en-AU" dirty="0"/>
+                  <a:t>perpendicular surface. </a:t>
                 </a:r>
               </a:p>
             </p:txBody>
@@ -2302,7 +2254,7 @@
           <a:p>
             <a:fld id="{02FE743E-A84C-43AB-92CE-28D1DBE6EC7B}" type="slidenum">
               <a:rPr lang="en-AU" smtClean="0"/>
-              <a:t>7</a:t>
+              <a:t>6</a:t>
             </a:fld>
             <a:endParaRPr lang="en-AU"/>
           </a:p>
@@ -2321,7 +2273,7 @@
 </p:notes>
 </file>
 
-<file path=ppt/notesSlides/notesSlide8.xml><?xml version="1.0" encoding="utf-8"?>
+<file path=ppt/notesSlides/notesSlide7.xml><?xml version="1.0" encoding="utf-8"?>
 <p:notes xmlns:a="http://schemas.openxmlformats.org/drawingml/2006/main" xmlns:r="http://schemas.openxmlformats.org/officeDocument/2006/relationships" xmlns:p="http://schemas.openxmlformats.org/presentationml/2006/main">
   <p:cSld>
     <p:spTree>
@@ -2379,7 +2331,7 @@
           <a:p>
             <a:r>
               <a:rPr lang="en-AU" dirty="0"/>
-              <a:t>If it is confirmed that this is a genuine risk, each grid square will be broken up into smaller segments to allow for a higher resolution obstacle location allocation as shown in the figure.</a:t>
+              <a:t>If required each grid square will be broken up into smaller segments to allow for higher resolution obstacle locations as shown in the figure.</a:t>
             </a:r>
           </a:p>
         </p:txBody>
@@ -2401,7 +2353,7 @@
           <a:p>
             <a:fld id="{02FE743E-A84C-43AB-92CE-28D1DBE6EC7B}" type="slidenum">
               <a:rPr lang="en-AU" smtClean="0"/>
-              <a:t>8</a:t>
+              <a:t>7</a:t>
             </a:fld>
             <a:endParaRPr lang="en-AU"/>
           </a:p>
@@ -5655,152 +5607,6 @@
           <a:chExt cx="0" cy="0"/>
         </a:xfrm>
       </p:grpSpPr>
-      <p:sp>
-        <p:nvSpPr>
-          <p:cNvPr id="2" name="Title 1">
-            <a:extLst>
-              <a:ext uri="{FF2B5EF4-FFF2-40B4-BE49-F238E27FC236}">
-                <a16:creationId xmlns:a16="http://schemas.microsoft.com/office/drawing/2014/main" id="{455C17F1-2A3F-4CBF-A1EA-13681D4D9C93}"/>
-              </a:ext>
-            </a:extLst>
-          </p:cNvPr>
-          <p:cNvSpPr>
-            <a:spLocks noGrp="1"/>
-          </p:cNvSpPr>
-          <p:nvPr>
-            <p:ph type="title"/>
-          </p:nvPr>
-        </p:nvSpPr>
-        <p:spPr/>
-        <p:txBody>
-          <a:bodyPr/>
-          <a:lstStyle/>
-          <a:p>
-            <a:r>
-              <a:rPr lang="en-AU" dirty="0"/>
-              <a:t>Obstacle Detection System – Context</a:t>
-            </a:r>
-          </a:p>
-        </p:txBody>
-      </p:sp>
-      <p:pic>
-        <p:nvPicPr>
-          <p:cNvPr id="5" name="Picture 4">
-            <a:extLst>
-              <a:ext uri="{FF2B5EF4-FFF2-40B4-BE49-F238E27FC236}">
-                <a16:creationId xmlns:a16="http://schemas.microsoft.com/office/drawing/2014/main" id="{84085CA4-A3B9-45CC-8794-EBA1AFB963E2}"/>
-              </a:ext>
-            </a:extLst>
-          </p:cNvPr>
-          <p:cNvPicPr>
-            <a:picLocks noChangeAspect="1"/>
-          </p:cNvPicPr>
-          <p:nvPr/>
-        </p:nvPicPr>
-        <p:blipFill>
-          <a:blip r:embed="rId3">
-            <a:extLst>
-              <a:ext uri="{28A0092B-C50C-407E-A947-70E740481C1C}">
-                <a14:useLocalDpi xmlns:a14="http://schemas.microsoft.com/office/drawing/2010/main" val="0"/>
-              </a:ext>
-            </a:extLst>
-          </a:blip>
-          <a:stretch>
-            <a:fillRect/>
-          </a:stretch>
-        </p:blipFill>
-        <p:spPr>
-          <a:xfrm>
-            <a:off x="1847849" y="1480046"/>
-            <a:ext cx="8217743" cy="5263653"/>
-          </a:xfrm>
-          <a:prstGeom prst="rect">
-            <a:avLst/>
-          </a:prstGeom>
-        </p:spPr>
-      </p:pic>
-      <p:sp>
-        <p:nvSpPr>
-          <p:cNvPr id="6" name="Oval 5">
-            <a:extLst>
-              <a:ext uri="{FF2B5EF4-FFF2-40B4-BE49-F238E27FC236}">
-                <a16:creationId xmlns:a16="http://schemas.microsoft.com/office/drawing/2014/main" id="{BF7A8D66-83E3-48AE-A4AB-580A882B702B}"/>
-              </a:ext>
-            </a:extLst>
-          </p:cNvPr>
-          <p:cNvSpPr/>
-          <p:nvPr/>
-        </p:nvSpPr>
-        <p:spPr>
-          <a:xfrm>
-            <a:off x="3657599" y="3667125"/>
-            <a:ext cx="990601" cy="847725"/>
-          </a:xfrm>
-          <a:prstGeom prst="ellipse">
-            <a:avLst/>
-          </a:prstGeom>
-          <a:noFill/>
-          <a:ln w="38100">
-            <a:solidFill>
-              <a:srgbClr val="FF0000"/>
-            </a:solidFill>
-          </a:ln>
-        </p:spPr>
-        <p:style>
-          <a:lnRef idx="2">
-            <a:schemeClr val="accent1">
-              <a:shade val="50000"/>
-            </a:schemeClr>
-          </a:lnRef>
-          <a:fillRef idx="1">
-            <a:schemeClr val="accent1"/>
-          </a:fillRef>
-          <a:effectRef idx="0">
-            <a:schemeClr val="accent1"/>
-          </a:effectRef>
-          <a:fontRef idx="minor">
-            <a:schemeClr val="lt1"/>
-          </a:fontRef>
-        </p:style>
-        <p:txBody>
-          <a:bodyPr rtlCol="0" anchor="ctr"/>
-          <a:lstStyle/>
-          <a:p>
-            <a:pPr algn="ctr"/>
-            <a:endParaRPr lang="en-AU"/>
-          </a:p>
-        </p:txBody>
-      </p:sp>
-    </p:spTree>
-    <p:extLst>
-      <p:ext uri="{BB962C8B-B14F-4D97-AF65-F5344CB8AC3E}">
-        <p14:creationId xmlns:p14="http://schemas.microsoft.com/office/powerpoint/2010/main" val="2622074118"/>
-      </p:ext>
-    </p:extLst>
-  </p:cSld>
-  <p:clrMapOvr>
-    <a:masterClrMapping/>
-  </p:clrMapOvr>
-</p:sld>
-</file>
-
-<file path=ppt/slides/slide2.xml><?xml version="1.0" encoding="utf-8"?>
-<p:sld xmlns:a="http://schemas.openxmlformats.org/drawingml/2006/main" xmlns:r="http://schemas.openxmlformats.org/officeDocument/2006/relationships" xmlns:p="http://schemas.openxmlformats.org/presentationml/2006/main">
-  <p:cSld>
-    <p:spTree>
-      <p:nvGrpSpPr>
-        <p:cNvPr id="1" name=""/>
-        <p:cNvGrpSpPr/>
-        <p:nvPr/>
-      </p:nvGrpSpPr>
-      <p:grpSpPr>
-        <a:xfrm>
-          <a:off x="0" y="0"/>
-          <a:ext cx="0" cy="0"/>
-          <a:chOff x="0" y="0"/>
-          <a:chExt cx="0" cy="0"/>
-        </a:xfrm>
-      </p:grpSpPr>
       <p:pic>
         <p:nvPicPr>
           <p:cNvPr id="7" name="Picture 6">
@@ -5860,7 +5666,7 @@
           <a:p>
             <a:r>
               <a:rPr lang="en-AU" dirty="0"/>
-              <a:t>Obstacle Detection System – Black box</a:t>
+              <a:t>Obstacle Detection System - Black box</a:t>
             </a:r>
           </a:p>
         </p:txBody>
@@ -5883,8 +5689,8 @@
         </p:nvSpPr>
         <p:spPr>
           <a:xfrm>
-            <a:off x="3590925" y="2243018"/>
-            <a:ext cx="4972050" cy="4434007"/>
+            <a:off x="3621019" y="3850909"/>
+            <a:ext cx="4972050" cy="1414582"/>
           </a:xfrm>
         </p:spPr>
         <p:txBody>
@@ -5895,32 +5701,8 @@
           <a:p>
             <a:r>
               <a:rPr lang="en-AU" dirty="0"/>
-              <a:t>Purpose: To detect and locate obstacles to allow for more informed navigation decisions, in order to avoid obstacles.</a:t>
+              <a:t>Purpose: To detect and locate obstacles</a:t>
             </a:r>
-          </a:p>
-          <a:p>
-            <a:pPr marL="285750" indent="-285750"/>
-            <a:r>
-              <a:rPr lang="en-AU" dirty="0"/>
-              <a:t>Functions:</a:t>
-            </a:r>
-          </a:p>
-          <a:p>
-            <a:pPr marL="742950" lvl="1" indent="-285750"/>
-            <a:r>
-              <a:rPr lang="en-AU" dirty="0"/>
-              <a:t>Detect obstacles within the range constraints of the HC-SR04 sensors (2cm – 400cm)</a:t>
-            </a:r>
-          </a:p>
-          <a:p>
-            <a:pPr marL="742950" lvl="1" indent="-285750"/>
-            <a:r>
-              <a:rPr lang="en-AU" dirty="0"/>
-              <a:t>Output the grid reference location of detected obstacles to the navigation system</a:t>
-            </a:r>
-          </a:p>
-          <a:p>
-            <a:endParaRPr lang="en-AU" dirty="0"/>
           </a:p>
           <a:p>
             <a:pPr lvl="1"/>
@@ -5941,7 +5723,7 @@
 </p:sld>
 </file>
 
-<file path=ppt/slides/slide3.xml><?xml version="1.0" encoding="utf-8"?>
+<file path=ppt/slides/slide2.xml><?xml version="1.0" encoding="utf-8"?>
 <p:sld xmlns:a="http://schemas.openxmlformats.org/drawingml/2006/main" xmlns:r="http://schemas.openxmlformats.org/officeDocument/2006/relationships" xmlns:p="http://schemas.openxmlformats.org/presentationml/2006/main">
   <p:cSld>
     <p:spTree>
@@ -6074,7 +5856,7 @@
 </p:sld>
 </file>
 
-<file path=ppt/slides/slide4.xml><?xml version="1.0" encoding="utf-8"?>
+<file path=ppt/slides/slide3.xml><?xml version="1.0" encoding="utf-8"?>
 <p:sld xmlns:a="http://schemas.openxmlformats.org/drawingml/2006/main" xmlns:r="http://schemas.openxmlformats.org/officeDocument/2006/relationships" xmlns:p="http://schemas.openxmlformats.org/presentationml/2006/main">
   <p:cSld>
     <p:spTree>
@@ -6152,8 +5934,8 @@
           </a:p>
         </p:txBody>
       </p:sp>
-      <mc:AlternateContent xmlns:mc="http://schemas.openxmlformats.org/markup-compatibility/2006" xmlns:a14="http://schemas.microsoft.com/office/drawing/2010/main">
-        <mc:Choice Requires="a14">
+      <mc:AlternateContent xmlns:mc="http://schemas.openxmlformats.org/markup-compatibility/2006">
+        <mc:Choice xmlns:a14="http://schemas.microsoft.com/office/drawing/2010/main" Requires="a14">
           <p:graphicFrame>
             <p:nvGraphicFramePr>
               <p:cNvPr id="8" name="Table 7">
@@ -6169,7 +5951,7 @@
               <p:nvPr>
                 <p:extLst>
                   <p:ext uri="{D42A27DB-BD31-4B8C-83A1-F6EECF244321}">
-                    <p14:modId xmlns:p14="http://schemas.microsoft.com/office/powerpoint/2010/main" val="2481626879"/>
+                    <p14:modId xmlns:p14="http://schemas.microsoft.com/office/powerpoint/2010/main" val="2923042661"/>
                   </p:ext>
                 </p:extLst>
               </p:nvPr>
@@ -6504,8 +6286,26 @@
                             <a:rPr lang="en-AU" sz="2000" u="none" strike="noStrike" dirty="0">
                               <a:effectLst/>
                             </a:rPr>
-                            <a:t>Accuracy of +/-10cm</a:t>
+                            <a:t>Accuracy of </a:t>
                           </a:r>
+                          <a14:m>
+                            <m:oMath xmlns:m="http://schemas.openxmlformats.org/officeDocument/2006/math">
+                              <m:r>
+                                <a:rPr lang="en-AU" sz="2000" i="1" u="none" strike="noStrike" dirty="0" smtClean="0">
+                                  <a:effectLst/>
+                                  <a:latin typeface="Cambria Math" panose="02040503050406030204" pitchFamily="18" charset="0"/>
+                                </a:rPr>
+                                <m:t>±10</m:t>
+                              </m:r>
+                              <m:r>
+                                <a:rPr lang="en-AU" sz="2000" i="1" u="none" strike="noStrike" dirty="0" smtClean="0">
+                                  <a:effectLst/>
+                                  <a:latin typeface="Cambria Math" panose="02040503050406030204" pitchFamily="18" charset="0"/>
+                                </a:rPr>
+                                <m:t>𝑐𝑚</m:t>
+                              </m:r>
+                            </m:oMath>
+                          </a14:m>
                           <a:endParaRPr lang="en-AU" sz="2000" b="0" i="0" u="none" strike="noStrike" dirty="0">
                             <a:solidFill>
                               <a:srgbClr val="000000"/>
@@ -7014,7 +6814,7 @@
             </a:graphic>
           </p:graphicFrame>
         </mc:Choice>
-        <mc:Fallback xmlns="">
+        <mc:Fallback>
           <p:graphicFrame>
             <p:nvGraphicFramePr>
               <p:cNvPr id="8" name="Table 7">
@@ -7030,7 +6830,7 @@
               <p:nvPr>
                 <p:extLst>
                   <p:ext uri="{D42A27DB-BD31-4B8C-83A1-F6EECF244321}">
-                    <p14:modId xmlns:p14="http://schemas.microsoft.com/office/powerpoint/2010/main" val="2481626879"/>
+                    <p14:modId xmlns:p14="http://schemas.microsoft.com/office/powerpoint/2010/main" val="2923042661"/>
                   </p:ext>
                 </p:extLst>
               </p:nvPr>
@@ -7322,20 +7122,7 @@
                         <a:bodyPr/>
                         <a:lstStyle/>
                         <a:p>
-                          <a:pPr algn="l" fontAlgn="b"/>
-                          <a:r>
-                            <a:rPr lang="en-AU" sz="2000" u="none" strike="noStrike" dirty="0">
-                              <a:effectLst/>
-                            </a:rPr>
-                            <a:t>Accuracy of +/-10cm</a:t>
-                          </a:r>
-                          <a:endParaRPr lang="en-AU" sz="2000" b="0" i="0" u="none" strike="noStrike" dirty="0">
-                            <a:solidFill>
-                              <a:srgbClr val="000000"/>
-                            </a:solidFill>
-                            <a:effectLst/>
-                            <a:latin typeface="Calibri" panose="020F0502020204030204" pitchFamily="34" charset="0"/>
-                          </a:endParaRPr>
+                          <a:endParaRPr lang="en-US"/>
                         </a:p>
                       </a:txBody>
                       <a:tcPr marL="9525" marR="9525" marT="9525" marB="0" anchor="b">
@@ -7375,7 +7162,12 @@
                           <a:headEnd type="none" w="med" len="med"/>
                           <a:tailEnd type="none" w="med" len="med"/>
                         </a:lnB>
-                        <a:noFill/>
+                        <a:blipFill>
+                          <a:blip r:embed="rId3"/>
+                          <a:stretch>
+                            <a:fillRect l="-166" t="-76974" r="-107947" b="-217105"/>
+                          </a:stretch>
+                        </a:blipFill>
                       </a:tcPr>
                     </a:tc>
                     <a:tc>
@@ -7958,7 +7750,7 @@
 </p:sld>
 </file>
 
-<file path=ppt/slides/slide5.xml><?xml version="1.0" encoding="utf-8"?>
+<file path=ppt/slides/slide4.xml><?xml version="1.0" encoding="utf-8"?>
 <p:sld xmlns:a="http://schemas.openxmlformats.org/drawingml/2006/main" xmlns:r="http://schemas.openxmlformats.org/officeDocument/2006/relationships" xmlns:p="http://schemas.openxmlformats.org/presentationml/2006/main">
   <p:cSld>
     <p:spTree>
@@ -8003,8 +7795,8 @@
           </a:p>
         </p:txBody>
       </p:sp>
-      <mc:AlternateContent xmlns:mc="http://schemas.openxmlformats.org/markup-compatibility/2006" xmlns:a14="http://schemas.microsoft.com/office/drawing/2010/main">
-        <mc:Choice Requires="a14">
+      <mc:AlternateContent xmlns:mc="http://schemas.openxmlformats.org/markup-compatibility/2006">
+        <mc:Choice xmlns:a14="http://schemas.microsoft.com/office/drawing/2010/main" Requires="a14">
           <p:graphicFrame>
             <p:nvGraphicFramePr>
               <p:cNvPr id="4" name="Table 3">
@@ -8020,7 +7812,7 @@
               <p:nvPr>
                 <p:extLst>
                   <p:ext uri="{D42A27DB-BD31-4B8C-83A1-F6EECF244321}">
-                    <p14:modId xmlns:p14="http://schemas.microsoft.com/office/powerpoint/2010/main" val="3896073002"/>
+                    <p14:modId xmlns:p14="http://schemas.microsoft.com/office/powerpoint/2010/main" val="769833372"/>
                   </p:ext>
                 </p:extLst>
               </p:nvPr>
@@ -8345,8 +8137,26 @@
                             <a:rPr lang="en-AU" sz="2000" u="none" strike="noStrike" dirty="0">
                               <a:effectLst/>
                             </a:rPr>
-                            <a:t>Accuracy of +/-10cm</a:t>
+                            <a:t>Accuracy of </a:t>
                           </a:r>
+                          <a14:m>
+                            <m:oMath xmlns:m="http://schemas.openxmlformats.org/officeDocument/2006/math">
+                              <m:r>
+                                <a:rPr lang="en-AU" sz="2000" i="1" u="none" strike="noStrike" dirty="0" smtClean="0">
+                                  <a:effectLst/>
+                                  <a:latin typeface="Cambria Math" panose="02040503050406030204" pitchFamily="18" charset="0"/>
+                                </a:rPr>
+                                <m:t>±10</m:t>
+                              </m:r>
+                              <m:r>
+                                <a:rPr lang="en-AU" sz="2000" i="1" u="none" strike="noStrike" dirty="0" smtClean="0">
+                                  <a:effectLst/>
+                                  <a:latin typeface="Cambria Math" panose="02040503050406030204" pitchFamily="18" charset="0"/>
+                                </a:rPr>
+                                <m:t>𝑐𝑚</m:t>
+                              </m:r>
+                            </m:oMath>
+                          </a14:m>
                           <a:endParaRPr lang="en-AU" sz="2000" b="0" i="0" u="none" strike="noStrike" dirty="0">
                             <a:solidFill>
                               <a:srgbClr val="000000"/>
@@ -8865,7 +8675,7 @@
             </a:graphic>
           </p:graphicFrame>
         </mc:Choice>
-        <mc:Fallback xmlns="">
+        <mc:Fallback>
           <p:graphicFrame>
             <p:nvGraphicFramePr>
               <p:cNvPr id="4" name="Table 3">
@@ -8881,7 +8691,7 @@
               <p:nvPr>
                 <p:extLst>
                   <p:ext uri="{D42A27DB-BD31-4B8C-83A1-F6EECF244321}">
-                    <p14:modId xmlns:p14="http://schemas.microsoft.com/office/powerpoint/2010/main" val="3896073002"/>
+                    <p14:modId xmlns:p14="http://schemas.microsoft.com/office/powerpoint/2010/main" val="769833372"/>
                   </p:ext>
                 </p:extLst>
               </p:nvPr>
@@ -9168,20 +8978,7 @@
                         <a:bodyPr/>
                         <a:lstStyle/>
                         <a:p>
-                          <a:pPr algn="l" fontAlgn="b"/>
-                          <a:r>
-                            <a:rPr lang="en-AU" sz="2000" u="none" strike="noStrike" dirty="0">
-                              <a:effectLst/>
-                            </a:rPr>
-                            <a:t>Accuracy of +/-10cm</a:t>
-                          </a:r>
-                          <a:endParaRPr lang="en-AU" sz="2000" b="0" i="0" u="none" strike="noStrike" dirty="0">
-                            <a:solidFill>
-                              <a:srgbClr val="000000"/>
-                            </a:solidFill>
-                            <a:effectLst/>
-                            <a:latin typeface="Calibri" panose="020F0502020204030204" pitchFamily="34" charset="0"/>
-                          </a:endParaRPr>
+                          <a:endParaRPr lang="en-US"/>
                         </a:p>
                       </a:txBody>
                       <a:tcPr marL="9525" marR="9525" marT="9525" marB="0" anchor="b">
@@ -9221,12 +9018,12 @@
                           <a:headEnd type="none" w="med" len="med"/>
                           <a:tailEnd type="none" w="med" len="med"/>
                         </a:lnB>
-                        <a:solidFill>
-                          <a:schemeClr val="accent1">
-                            <a:lumMod val="40000"/>
-                            <a:lumOff val="60000"/>
-                          </a:schemeClr>
-                        </a:solidFill>
+                        <a:blipFill>
+                          <a:blip r:embed="rId3"/>
+                          <a:stretch>
+                            <a:fillRect l="-166" t="-76974" r="-107947" b="-217105"/>
+                          </a:stretch>
+                        </a:blipFill>
                       </a:tcPr>
                     </a:tc>
                     <a:tc>
@@ -9814,7 +9611,7 @@
 </p:sld>
 </file>
 
-<file path=ppt/slides/slide6.xml><?xml version="1.0" encoding="utf-8"?>
+<file path=ppt/slides/slide5.xml><?xml version="1.0" encoding="utf-8"?>
 <p:sld xmlns:a="http://schemas.openxmlformats.org/drawingml/2006/main" xmlns:r="http://schemas.openxmlformats.org/officeDocument/2006/relationships" xmlns:p="http://schemas.openxmlformats.org/presentationml/2006/main">
   <p:cSld>
     <p:spTree>
@@ -9859,8 +9656,8 @@
           </a:p>
         </p:txBody>
       </p:sp>
-      <mc:AlternateContent xmlns:mc="http://schemas.openxmlformats.org/markup-compatibility/2006" xmlns:a14="http://schemas.microsoft.com/office/drawing/2010/main">
-        <mc:Choice Requires="a14">
+      <mc:AlternateContent xmlns:mc="http://schemas.openxmlformats.org/markup-compatibility/2006">
+        <mc:Choice xmlns:a14="http://schemas.microsoft.com/office/drawing/2010/main" Requires="a14">
           <p:graphicFrame>
             <p:nvGraphicFramePr>
               <p:cNvPr id="4" name="Table 3">
@@ -9876,7 +9673,7 @@
               <p:nvPr>
                 <p:extLst>
                   <p:ext uri="{D42A27DB-BD31-4B8C-83A1-F6EECF244321}">
-                    <p14:modId xmlns:p14="http://schemas.microsoft.com/office/powerpoint/2010/main" val="4013103301"/>
+                    <p14:modId xmlns:p14="http://schemas.microsoft.com/office/powerpoint/2010/main" val="3173940156"/>
                   </p:ext>
                 </p:extLst>
               </p:nvPr>
@@ -10201,8 +9998,26 @@
                             <a:rPr lang="en-AU" sz="2000" u="none" strike="noStrike" dirty="0">
                               <a:effectLst/>
                             </a:rPr>
-                            <a:t>Accuracy of +/-10cm</a:t>
+                            <a:t>Accuracy of </a:t>
                           </a:r>
+                          <a14:m>
+                            <m:oMath xmlns:m="http://schemas.openxmlformats.org/officeDocument/2006/math">
+                              <m:r>
+                                <a:rPr lang="en-AU" sz="2000" i="1" u="none" strike="noStrike" dirty="0" smtClean="0">
+                                  <a:effectLst/>
+                                  <a:latin typeface="Cambria Math" panose="02040503050406030204" pitchFamily="18" charset="0"/>
+                                </a:rPr>
+                                <m:t>±10</m:t>
+                              </m:r>
+                              <m:r>
+                                <a:rPr lang="en-AU" sz="2000" i="1" u="none" strike="noStrike" dirty="0" smtClean="0">
+                                  <a:effectLst/>
+                                  <a:latin typeface="Cambria Math" panose="02040503050406030204" pitchFamily="18" charset="0"/>
+                                </a:rPr>
+                                <m:t>𝑐𝑚</m:t>
+                              </m:r>
+                            </m:oMath>
+                          </a14:m>
                           <a:endParaRPr lang="en-AU" sz="2000" b="0" i="0" u="none" strike="noStrike" dirty="0">
                             <a:solidFill>
                               <a:srgbClr val="000000"/>
@@ -10721,7 +10536,7 @@
             </a:graphic>
           </p:graphicFrame>
         </mc:Choice>
-        <mc:Fallback xmlns="">
+        <mc:Fallback>
           <p:graphicFrame>
             <p:nvGraphicFramePr>
               <p:cNvPr id="4" name="Table 3">
@@ -10737,7 +10552,7 @@
               <p:nvPr>
                 <p:extLst>
                   <p:ext uri="{D42A27DB-BD31-4B8C-83A1-F6EECF244321}">
-                    <p14:modId xmlns:p14="http://schemas.microsoft.com/office/powerpoint/2010/main" val="4013103301"/>
+                    <p14:modId xmlns:p14="http://schemas.microsoft.com/office/powerpoint/2010/main" val="3173940156"/>
                   </p:ext>
                 </p:extLst>
               </p:nvPr>
@@ -11024,20 +10839,7 @@
                         <a:bodyPr/>
                         <a:lstStyle/>
                         <a:p>
-                          <a:pPr algn="l" fontAlgn="b"/>
-                          <a:r>
-                            <a:rPr lang="en-AU" sz="2000" u="none" strike="noStrike" dirty="0">
-                              <a:effectLst/>
-                            </a:rPr>
-                            <a:t>Accuracy of +/-10cm</a:t>
-                          </a:r>
-                          <a:endParaRPr lang="en-AU" sz="2000" b="0" i="0" u="none" strike="noStrike" dirty="0">
-                            <a:solidFill>
-                              <a:srgbClr val="000000"/>
-                            </a:solidFill>
-                            <a:effectLst/>
-                            <a:latin typeface="Calibri" panose="020F0502020204030204" pitchFamily="34" charset="0"/>
-                          </a:endParaRPr>
+                          <a:endParaRPr lang="en-US"/>
                         </a:p>
                       </a:txBody>
                       <a:tcPr marL="9525" marR="9525" marT="9525" marB="0" anchor="b">
@@ -11077,7 +10879,12 @@
                           <a:headEnd type="none" w="med" len="med"/>
                           <a:tailEnd type="none" w="med" len="med"/>
                         </a:lnB>
-                        <a:noFill/>
+                        <a:blipFill>
+                          <a:blip r:embed="rId3"/>
+                          <a:stretch>
+                            <a:fillRect l="-166" t="-76974" r="-107947" b="-217105"/>
+                          </a:stretch>
+                        </a:blipFill>
                       </a:tcPr>
                     </a:tc>
                     <a:tc>
@@ -11608,8 +11415,8 @@
         </p:blipFill>
         <p:spPr>
           <a:xfrm>
-            <a:off x="6198632" y="5288368"/>
-            <a:ext cx="5818474" cy="1398182"/>
+            <a:off x="6096000" y="5094693"/>
+            <a:ext cx="5959205" cy="1432000"/>
           </a:xfrm>
           <a:prstGeom prst="rect">
             <a:avLst/>
@@ -11644,7 +11451,7 @@
         </p:blipFill>
         <p:spPr>
           <a:xfrm>
-            <a:off x="8423125" y="3517354"/>
+            <a:off x="8415214" y="2778099"/>
             <a:ext cx="3768876" cy="1624762"/>
           </a:xfrm>
           <a:prstGeom prst="rect">
@@ -11666,7 +11473,7 @@
         </p:nvSpPr>
         <p:spPr>
           <a:xfrm>
-            <a:off x="10299652" y="4628476"/>
+            <a:off x="10307563" y="3889222"/>
             <a:ext cx="682775" cy="513639"/>
           </a:xfrm>
           <a:prstGeom prst="ellipse">
@@ -11739,6 +11546,41 @@
           </a:p>
         </p:txBody>
       </p:sp>
+      <p:sp>
+        <p:nvSpPr>
+          <p:cNvPr id="10" name="TextBox 9">
+            <a:extLst>
+              <a:ext uri="{FF2B5EF4-FFF2-40B4-BE49-F238E27FC236}">
+                <a16:creationId xmlns:a16="http://schemas.microsoft.com/office/drawing/2014/main" id="{FB0025AF-4BBE-4D9A-8A72-ADE6ADE947BC}"/>
+              </a:ext>
+            </a:extLst>
+          </p:cNvPr>
+          <p:cNvSpPr txBox="1"/>
+          <p:nvPr/>
+        </p:nvSpPr>
+        <p:spPr>
+          <a:xfrm>
+            <a:off x="7318646" y="6440857"/>
+            <a:ext cx="3911329" cy="369332"/>
+          </a:xfrm>
+          <a:prstGeom prst="rect">
+            <a:avLst/>
+          </a:prstGeom>
+          <a:noFill/>
+        </p:spPr>
+        <p:txBody>
+          <a:bodyPr wrap="square" rtlCol="0">
+            <a:spAutoFit/>
+          </a:bodyPr>
+          <a:lstStyle/>
+          <a:p>
+            <a:r>
+              <a:rPr lang="en-AU" dirty="0"/>
+              <a:t>Temperature sensor comparison table:</a:t>
+            </a:r>
+          </a:p>
+        </p:txBody>
+      </p:sp>
     </p:spTree>
     <p:extLst>
       <p:ext uri="{BB962C8B-B14F-4D97-AF65-F5344CB8AC3E}">
@@ -11752,7 +11594,7 @@
 </p:sld>
 </file>
 
-<file path=ppt/slides/slide7.xml><?xml version="1.0" encoding="utf-8"?>
+<file path=ppt/slides/slide6.xml><?xml version="1.0" encoding="utf-8"?>
 <p:sld xmlns:a="http://schemas.openxmlformats.org/drawingml/2006/main" xmlns:r="http://schemas.openxmlformats.org/officeDocument/2006/relationships" xmlns:p="http://schemas.openxmlformats.org/presentationml/2006/main">
   <p:cSld>
     <p:spTree>
@@ -11769,6 +11611,36 @@
           <a:chExt cx="0" cy="0"/>
         </a:xfrm>
       </p:grpSpPr>
+      <p:pic>
+        <p:nvPicPr>
+          <p:cNvPr id="3" name="Picture 2">
+            <a:extLst>
+              <a:ext uri="{FF2B5EF4-FFF2-40B4-BE49-F238E27FC236}">
+                <a16:creationId xmlns:a16="http://schemas.microsoft.com/office/drawing/2014/main" id="{0E1A493B-266F-4EA6-89A9-47BFC40C425A}"/>
+              </a:ext>
+            </a:extLst>
+          </p:cNvPr>
+          <p:cNvPicPr>
+            <a:picLocks noChangeAspect="1"/>
+          </p:cNvPicPr>
+          <p:nvPr/>
+        </p:nvPicPr>
+        <p:blipFill>
+          <a:blip r:embed="rId3"/>
+          <a:stretch>
+            <a:fillRect/>
+          </a:stretch>
+        </p:blipFill>
+        <p:spPr>
+          <a:xfrm>
+            <a:off x="9222055" y="2642854"/>
+            <a:ext cx="2388919" cy="4083383"/>
+          </a:xfrm>
+          <a:prstGeom prst="rect">
+            <a:avLst/>
+          </a:prstGeom>
+        </p:spPr>
+      </p:pic>
       <p:sp>
         <p:nvSpPr>
           <p:cNvPr id="2" name="Title 1">
@@ -11797,8 +11669,8 @@
           </a:p>
         </p:txBody>
       </p:sp>
-      <mc:AlternateContent xmlns:mc="http://schemas.openxmlformats.org/markup-compatibility/2006" xmlns:a14="http://schemas.microsoft.com/office/drawing/2010/main">
-        <mc:Choice Requires="a14">
+      <mc:AlternateContent xmlns:mc="http://schemas.openxmlformats.org/markup-compatibility/2006">
+        <mc:Choice xmlns:a14="http://schemas.microsoft.com/office/drawing/2010/main" Requires="a14">
           <p:graphicFrame>
             <p:nvGraphicFramePr>
               <p:cNvPr id="4" name="Table 3">
@@ -11814,7 +11686,7 @@
               <p:nvPr>
                 <p:extLst>
                   <p:ext uri="{D42A27DB-BD31-4B8C-83A1-F6EECF244321}">
-                    <p14:modId xmlns:p14="http://schemas.microsoft.com/office/powerpoint/2010/main" val="1032521562"/>
+                    <p14:modId xmlns:p14="http://schemas.microsoft.com/office/powerpoint/2010/main" val="2413705086"/>
                   </p:ext>
                 </p:extLst>
               </p:nvPr>
@@ -12139,8 +12011,26 @@
                             <a:rPr lang="en-AU" sz="2000" u="none" strike="noStrike" dirty="0">
                               <a:effectLst/>
                             </a:rPr>
-                            <a:t>Accuracy of +/-10cm</a:t>
+                            <a:t>Accuracy of </a:t>
                           </a:r>
+                          <a14:m>
+                            <m:oMath xmlns:m="http://schemas.openxmlformats.org/officeDocument/2006/math">
+                              <m:r>
+                                <a:rPr lang="en-AU" sz="2000" i="1" u="none" strike="noStrike" dirty="0" smtClean="0">
+                                  <a:effectLst/>
+                                  <a:latin typeface="Cambria Math" panose="02040503050406030204" pitchFamily="18" charset="0"/>
+                                </a:rPr>
+                                <m:t>±10</m:t>
+                              </m:r>
+                              <m:r>
+                                <a:rPr lang="en-AU" sz="2000" i="1" u="none" strike="noStrike" dirty="0" smtClean="0">
+                                  <a:effectLst/>
+                                  <a:latin typeface="Cambria Math" panose="02040503050406030204" pitchFamily="18" charset="0"/>
+                                </a:rPr>
+                                <m:t>𝑐𝑚</m:t>
+                              </m:r>
+                            </m:oMath>
+                          </a14:m>
                           <a:endParaRPr lang="en-AU" sz="2000" b="0" i="0" u="none" strike="noStrike" dirty="0">
                             <a:solidFill>
                               <a:srgbClr val="000000"/>
@@ -12659,7 +12549,7 @@
             </a:graphic>
           </p:graphicFrame>
         </mc:Choice>
-        <mc:Fallback xmlns="">
+        <mc:Fallback>
           <p:graphicFrame>
             <p:nvGraphicFramePr>
               <p:cNvPr id="4" name="Table 3">
@@ -12675,7 +12565,7 @@
               <p:nvPr>
                 <p:extLst>
                   <p:ext uri="{D42A27DB-BD31-4B8C-83A1-F6EECF244321}">
-                    <p14:modId xmlns:p14="http://schemas.microsoft.com/office/powerpoint/2010/main" val="1032521562"/>
+                    <p14:modId xmlns:p14="http://schemas.microsoft.com/office/powerpoint/2010/main" val="2413705086"/>
                   </p:ext>
                 </p:extLst>
               </p:nvPr>
@@ -12882,7 +12772,7 @@
                           <a:tailEnd type="none" w="med" len="med"/>
                         </a:lnB>
                         <a:blipFill>
-                          <a:blip r:embed="rId3"/>
+                          <a:blip r:embed="rId4"/>
                           <a:stretch>
                             <a:fillRect l="-166" t="-112727" r="-107947" b="-876364"/>
                           </a:stretch>
@@ -12962,20 +12852,7 @@
                         <a:bodyPr/>
                         <a:lstStyle/>
                         <a:p>
-                          <a:pPr algn="l" fontAlgn="b"/>
-                          <a:r>
-                            <a:rPr lang="en-AU" sz="2000" u="none" strike="noStrike" dirty="0">
-                              <a:effectLst/>
-                            </a:rPr>
-                            <a:t>Accuracy of +/-10cm</a:t>
-                          </a:r>
-                          <a:endParaRPr lang="en-AU" sz="2000" b="0" i="0" u="none" strike="noStrike" dirty="0">
-                            <a:solidFill>
-                              <a:srgbClr val="000000"/>
-                            </a:solidFill>
-                            <a:effectLst/>
-                            <a:latin typeface="Calibri" panose="020F0502020204030204" pitchFamily="34" charset="0"/>
-                          </a:endParaRPr>
+                          <a:endParaRPr lang="en-US"/>
                         </a:p>
                       </a:txBody>
                       <a:tcPr marL="9525" marR="9525" marT="9525" marB="0" anchor="b">
@@ -13015,7 +12892,12 @@
                           <a:headEnd type="none" w="med" len="med"/>
                           <a:tailEnd type="none" w="med" len="med"/>
                         </a:lnB>
-                        <a:noFill/>
+                        <a:blipFill>
+                          <a:blip r:embed="rId4"/>
+                          <a:stretch>
+                            <a:fillRect l="-166" t="-76974" r="-107947" b="-217105"/>
+                          </a:stretch>
+                        </a:blipFill>
                       </a:tcPr>
                     </a:tc>
                     <a:tc>
@@ -13538,7 +13420,7 @@
         </p:nvSpPr>
         <p:spPr>
           <a:xfrm>
-            <a:off x="8536426" y="3716143"/>
+            <a:off x="8431716" y="2005607"/>
             <a:ext cx="3547328" cy="923330"/>
           </a:xfrm>
           <a:prstGeom prst="rect">
@@ -13572,7 +13454,7 @@
 </p:sld>
 </file>
 
-<file path=ppt/slides/slide8.xml><?xml version="1.0" encoding="utf-8"?>
+<file path=ppt/slides/slide7.xml><?xml version="1.0" encoding="utf-8"?>
 <p:sld xmlns:a="http://schemas.openxmlformats.org/drawingml/2006/main" xmlns:r="http://schemas.openxmlformats.org/officeDocument/2006/relationships" xmlns:p="http://schemas.openxmlformats.org/presentationml/2006/main">
   <p:cSld>
     <p:spTree>
@@ -13617,8 +13499,8 @@
           </a:p>
         </p:txBody>
       </p:sp>
-      <mc:AlternateContent xmlns:mc="http://schemas.openxmlformats.org/markup-compatibility/2006" xmlns:a14="http://schemas.microsoft.com/office/drawing/2010/main">
-        <mc:Choice Requires="a14">
+      <mc:AlternateContent xmlns:mc="http://schemas.openxmlformats.org/markup-compatibility/2006">
+        <mc:Choice xmlns:a14="http://schemas.microsoft.com/office/drawing/2010/main" Requires="a14">
           <p:graphicFrame>
             <p:nvGraphicFramePr>
               <p:cNvPr id="4" name="Table 3">
@@ -13634,7 +13516,7 @@
               <p:nvPr>
                 <p:extLst>
                   <p:ext uri="{D42A27DB-BD31-4B8C-83A1-F6EECF244321}">
-                    <p14:modId xmlns:p14="http://schemas.microsoft.com/office/powerpoint/2010/main" val="2844859180"/>
+                    <p14:modId xmlns:p14="http://schemas.microsoft.com/office/powerpoint/2010/main" val="3387213627"/>
                   </p:ext>
                 </p:extLst>
               </p:nvPr>
@@ -13959,8 +13841,26 @@
                             <a:rPr lang="en-AU" sz="2000" u="none" strike="noStrike" dirty="0">
                               <a:effectLst/>
                             </a:rPr>
-                            <a:t>Accuracy of +/-10cm</a:t>
+                            <a:t>Accuracy of </a:t>
                           </a:r>
+                          <a14:m>
+                            <m:oMath xmlns:m="http://schemas.openxmlformats.org/officeDocument/2006/math">
+                              <m:r>
+                                <a:rPr lang="en-AU" sz="2000" i="1" u="none" strike="noStrike" dirty="0" smtClean="0">
+                                  <a:effectLst/>
+                                  <a:latin typeface="Cambria Math" panose="02040503050406030204" pitchFamily="18" charset="0"/>
+                                </a:rPr>
+                                <m:t>±10</m:t>
+                              </m:r>
+                              <m:r>
+                                <a:rPr lang="en-AU" sz="2000" i="1" u="none" strike="noStrike" dirty="0" smtClean="0">
+                                  <a:effectLst/>
+                                  <a:latin typeface="Cambria Math" panose="02040503050406030204" pitchFamily="18" charset="0"/>
+                                </a:rPr>
+                                <m:t>𝑐𝑚</m:t>
+                              </m:r>
+                            </m:oMath>
+                          </a14:m>
                           <a:endParaRPr lang="en-AU" sz="2000" b="0" i="0" u="none" strike="noStrike" dirty="0">
                             <a:solidFill>
                               <a:srgbClr val="000000"/>
@@ -14479,7 +14379,7 @@
             </a:graphic>
           </p:graphicFrame>
         </mc:Choice>
-        <mc:Fallback xmlns="">
+        <mc:Fallback>
           <p:graphicFrame>
             <p:nvGraphicFramePr>
               <p:cNvPr id="4" name="Table 3">
@@ -14495,7 +14395,7 @@
               <p:nvPr>
                 <p:extLst>
                   <p:ext uri="{D42A27DB-BD31-4B8C-83A1-F6EECF244321}">
-                    <p14:modId xmlns:p14="http://schemas.microsoft.com/office/powerpoint/2010/main" val="2844859180"/>
+                    <p14:modId xmlns:p14="http://schemas.microsoft.com/office/powerpoint/2010/main" val="3387213627"/>
                   </p:ext>
                 </p:extLst>
               </p:nvPr>
@@ -14782,20 +14682,7 @@
                         <a:bodyPr/>
                         <a:lstStyle/>
                         <a:p>
-                          <a:pPr algn="l" fontAlgn="b"/>
-                          <a:r>
-                            <a:rPr lang="en-AU" sz="2000" u="none" strike="noStrike" dirty="0">
-                              <a:effectLst/>
-                            </a:rPr>
-                            <a:t>Accuracy of +/-10cm</a:t>
-                          </a:r>
-                          <a:endParaRPr lang="en-AU" sz="2000" b="0" i="0" u="none" strike="noStrike" dirty="0">
-                            <a:solidFill>
-                              <a:srgbClr val="000000"/>
-                            </a:solidFill>
-                            <a:effectLst/>
-                            <a:latin typeface="Calibri" panose="020F0502020204030204" pitchFamily="34" charset="0"/>
-                          </a:endParaRPr>
+                          <a:endParaRPr lang="en-US"/>
                         </a:p>
                       </a:txBody>
                       <a:tcPr marL="9525" marR="9525" marT="9525" marB="0" anchor="b">
@@ -14835,7 +14722,12 @@
                           <a:headEnd type="none" w="med" len="med"/>
                           <a:tailEnd type="none" w="med" len="med"/>
                         </a:lnB>
-                        <a:noFill/>
+                        <a:blipFill>
+                          <a:blip r:embed="rId3"/>
+                          <a:stretch>
+                            <a:fillRect l="-166" t="-76974" r="-107947" b="-217105"/>
+                          </a:stretch>
+                        </a:blipFill>
                       </a:tcPr>
                     </a:tc>
                     <a:tc>

--- a/System Documentation/ODS powerpoint.pptx
+++ b/System Documentation/ODS powerpoint.pptx
@@ -788,6 +788,120 @@
       </pc:sldChg>
     </pc:docChg>
   </pc:docChgLst>
+  <pc:docChgLst>
+    <pc:chgData name="Alexander Gee" userId="485603e6-5891-4220-a85c-b0950bcd52be" providerId="ADAL" clId="{92D398E1-0B84-407F-BEF2-BE5EEFFA4E07}"/>
+    <pc:docChg chg="custSel modSld">
+      <pc:chgData name="Alexander Gee" userId="485603e6-5891-4220-a85c-b0950bcd52be" providerId="ADAL" clId="{92D398E1-0B84-407F-BEF2-BE5EEFFA4E07}" dt="2018-03-26T11:19:41.558" v="721" actId="20577"/>
+      <pc:docMkLst>
+        <pc:docMk/>
+      </pc:docMkLst>
+      <pc:sldChg chg="modNotesTx">
+        <pc:chgData name="Alexander Gee" userId="485603e6-5891-4220-a85c-b0950bcd52be" providerId="ADAL" clId="{92D398E1-0B84-407F-BEF2-BE5EEFFA4E07}" dt="2018-03-26T11:16:19.308" v="717" actId="20577"/>
+        <pc:sldMkLst>
+          <pc:docMk/>
+          <pc:sldMk cId="937563792" sldId="257"/>
+        </pc:sldMkLst>
+      </pc:sldChg>
+      <pc:sldChg chg="modNotesTx">
+        <pc:chgData name="Alexander Gee" userId="485603e6-5891-4220-a85c-b0950bcd52be" providerId="ADAL" clId="{92D398E1-0B84-407F-BEF2-BE5EEFFA4E07}" dt="2018-03-26T11:11:34.155" v="454" actId="6549"/>
+        <pc:sldMkLst>
+          <pc:docMk/>
+          <pc:sldMk cId="2875805378" sldId="258"/>
+        </pc:sldMkLst>
+      </pc:sldChg>
+      <pc:sldChg chg="modSp modNotesTx">
+        <pc:chgData name="Alexander Gee" userId="485603e6-5891-4220-a85c-b0950bcd52be" providerId="ADAL" clId="{92D398E1-0B84-407F-BEF2-BE5EEFFA4E07}" dt="2018-03-26T11:10:39.311" v="431" actId="20577"/>
+        <pc:sldMkLst>
+          <pc:docMk/>
+          <pc:sldMk cId="1108688081" sldId="259"/>
+        </pc:sldMkLst>
+        <pc:graphicFrameChg chg="mod">
+          <ac:chgData name="Alexander Gee" userId="485603e6-5891-4220-a85c-b0950bcd52be" providerId="ADAL" clId="{92D398E1-0B84-407F-BEF2-BE5EEFFA4E07}" dt="2018-03-26T11:08:32.164" v="344" actId="20577"/>
+          <ac:graphicFrameMkLst>
+            <pc:docMk/>
+            <pc:sldMk cId="1108688081" sldId="259"/>
+            <ac:graphicFrameMk id="8" creationId="{80589A87-1758-4F3A-A20D-F1F9E4426444}"/>
+          </ac:graphicFrameMkLst>
+        </pc:graphicFrameChg>
+      </pc:sldChg>
+      <pc:sldChg chg="modSp modNotesTx">
+        <pc:chgData name="Alexander Gee" userId="485603e6-5891-4220-a85c-b0950bcd52be" providerId="ADAL" clId="{92D398E1-0B84-407F-BEF2-BE5EEFFA4E07}" dt="2018-03-26T11:09:23.137" v="345"/>
+        <pc:sldMkLst>
+          <pc:docMk/>
+          <pc:sldMk cId="2851834824" sldId="260"/>
+        </pc:sldMkLst>
+        <pc:graphicFrameChg chg="mod">
+          <ac:chgData name="Alexander Gee" userId="485603e6-5891-4220-a85c-b0950bcd52be" providerId="ADAL" clId="{92D398E1-0B84-407F-BEF2-BE5EEFFA4E07}" dt="2018-03-26T11:09:23.137" v="345"/>
+          <ac:graphicFrameMkLst>
+            <pc:docMk/>
+            <pc:sldMk cId="2851834824" sldId="260"/>
+            <ac:graphicFrameMk id="4" creationId="{7094BA28-C059-4098-82B9-E19AFB51A22B}"/>
+          </ac:graphicFrameMkLst>
+        </pc:graphicFrameChg>
+      </pc:sldChg>
+      <pc:sldChg chg="modSp modNotesTx">
+        <pc:chgData name="Alexander Gee" userId="485603e6-5891-4220-a85c-b0950bcd52be" providerId="ADAL" clId="{92D398E1-0B84-407F-BEF2-BE5EEFFA4E07}" dt="2018-03-26T11:15:48.611" v="698" actId="1076"/>
+        <pc:sldMkLst>
+          <pc:docMk/>
+          <pc:sldMk cId="1957153345" sldId="263"/>
+        </pc:sldMkLst>
+        <pc:spChg chg="mod">
+          <ac:chgData name="Alexander Gee" userId="485603e6-5891-4220-a85c-b0950bcd52be" providerId="ADAL" clId="{92D398E1-0B84-407F-BEF2-BE5EEFFA4E07}" dt="2018-03-26T11:15:48.611" v="698" actId="1076"/>
+          <ac:spMkLst>
+            <pc:docMk/>
+            <pc:sldMk cId="1957153345" sldId="263"/>
+            <ac:spMk id="10" creationId="{FB0025AF-4BBE-4D9A-8A72-ADE6ADE947BC}"/>
+          </ac:spMkLst>
+        </pc:spChg>
+        <pc:graphicFrameChg chg="mod">
+          <ac:chgData name="Alexander Gee" userId="485603e6-5891-4220-a85c-b0950bcd52be" providerId="ADAL" clId="{92D398E1-0B84-407F-BEF2-BE5EEFFA4E07}" dt="2018-03-26T11:09:30.779" v="346"/>
+          <ac:graphicFrameMkLst>
+            <pc:docMk/>
+            <pc:sldMk cId="1957153345" sldId="263"/>
+            <ac:graphicFrameMk id="4" creationId="{77B67EE3-655D-4E9A-9723-2F4452B15154}"/>
+          </ac:graphicFrameMkLst>
+        </pc:graphicFrameChg>
+        <pc:picChg chg="mod">
+          <ac:chgData name="Alexander Gee" userId="485603e6-5891-4220-a85c-b0950bcd52be" providerId="ADAL" clId="{92D398E1-0B84-407F-BEF2-BE5EEFFA4E07}" dt="2018-03-26T11:15:40.523" v="697" actId="1038"/>
+          <ac:picMkLst>
+            <pc:docMk/>
+            <pc:sldMk cId="1957153345" sldId="263"/>
+            <ac:picMk id="7" creationId="{62E787A5-E29B-44D0-8C88-16B9D0803436}"/>
+          </ac:picMkLst>
+        </pc:picChg>
+      </pc:sldChg>
+      <pc:sldChg chg="modSp modNotesTx">
+        <pc:chgData name="Alexander Gee" userId="485603e6-5891-4220-a85c-b0950bcd52be" providerId="ADAL" clId="{92D398E1-0B84-407F-BEF2-BE5EEFFA4E07}" dt="2018-03-26T11:09:35.351" v="347"/>
+        <pc:sldMkLst>
+          <pc:docMk/>
+          <pc:sldMk cId="661383584" sldId="264"/>
+        </pc:sldMkLst>
+        <pc:graphicFrameChg chg="mod">
+          <ac:chgData name="Alexander Gee" userId="485603e6-5891-4220-a85c-b0950bcd52be" providerId="ADAL" clId="{92D398E1-0B84-407F-BEF2-BE5EEFFA4E07}" dt="2018-03-26T11:09:35.351" v="347"/>
+          <ac:graphicFrameMkLst>
+            <pc:docMk/>
+            <pc:sldMk cId="661383584" sldId="264"/>
+            <ac:graphicFrameMk id="4" creationId="{A2F03307-37C8-47BC-A64D-5EDC5C67391E}"/>
+          </ac:graphicFrameMkLst>
+        </pc:graphicFrameChg>
+      </pc:sldChg>
+      <pc:sldChg chg="modSp modNotesTx">
+        <pc:chgData name="Alexander Gee" userId="485603e6-5891-4220-a85c-b0950bcd52be" providerId="ADAL" clId="{92D398E1-0B84-407F-BEF2-BE5EEFFA4E07}" dt="2018-03-26T11:19:41.558" v="721" actId="20577"/>
+        <pc:sldMkLst>
+          <pc:docMk/>
+          <pc:sldMk cId="3943801269" sldId="265"/>
+        </pc:sldMkLst>
+        <pc:graphicFrameChg chg="mod">
+          <ac:chgData name="Alexander Gee" userId="485603e6-5891-4220-a85c-b0950bcd52be" providerId="ADAL" clId="{92D398E1-0B84-407F-BEF2-BE5EEFFA4E07}" dt="2018-03-26T11:09:39.929" v="348"/>
+          <ac:graphicFrameMkLst>
+            <pc:docMk/>
+            <pc:sldMk cId="3943801269" sldId="265"/>
+            <ac:graphicFrameMk id="4" creationId="{B76B19CE-47EC-4ECB-B433-A58783342705}"/>
+          </ac:graphicFrameMkLst>
+        </pc:graphicFrameChg>
+      </pc:sldChg>
+    </pc:docChg>
+  </pc:docChgLst>
 </pc:chgInfo>
 </file>
 
@@ -1204,7 +1318,7 @@
             </a:pPr>
             <a:r>
               <a:rPr lang="en-AU" dirty="0"/>
-              <a:t>The Purpose of the Obstacle Detection System is “To detect and locate obstacles to allow for more informed navigation decisions, in order to avoid obstacles.”</a:t>
+              <a:t>I’ll be briefly talking to you about the Obstacle Detection System.</a:t>
             </a:r>
           </a:p>
           <a:p>
@@ -1227,76 +1341,7 @@
             </a:pPr>
             <a:r>
               <a:rPr lang="en-AU" dirty="0"/>
-              <a:t>It will do this by detecting obstacles with the HC-SR04 Ultrasonic sensors, and outputting the grid reference of the detected obstacle to the Navigation and Mazing System.</a:t>
-            </a:r>
-          </a:p>
-          <a:p>
-            <a:pPr marL="0" marR="0" lvl="0" indent="0" algn="l" defTabSz="914400" rtl="0" eaLnBrk="1" fontAlgn="auto" latinLnBrk="0" hangingPunct="1">
-              <a:lnSpc>
-                <a:spcPct val="100000"/>
-              </a:lnSpc>
-              <a:spcBef>
-                <a:spcPts val="0"/>
-              </a:spcBef>
-              <a:spcAft>
-                <a:spcPts val="0"/>
-              </a:spcAft>
-              <a:buClrTx/>
-              <a:buSzTx/>
-              <a:buFontTx/>
-              <a:buNone/>
-              <a:tabLst/>
-              <a:defRPr/>
-            </a:pPr>
-            <a:r>
-              <a:rPr lang="en-AU" dirty="0"/>
-              <a:t>As can be seen it will have:</a:t>
-            </a:r>
-          </a:p>
-          <a:p>
-            <a:pPr marL="171450" marR="0" lvl="0" indent="-171450" algn="l" defTabSz="914400" rtl="0" eaLnBrk="1" fontAlgn="auto" latinLnBrk="0" hangingPunct="1">
-              <a:lnSpc>
-                <a:spcPct val="100000"/>
-              </a:lnSpc>
-              <a:spcBef>
-                <a:spcPts val="0"/>
-              </a:spcBef>
-              <a:spcAft>
-                <a:spcPts val="0"/>
-              </a:spcAft>
-              <a:buClrTx/>
-              <a:buSzTx/>
-              <a:buFontTx/>
-              <a:buChar char="-"/>
-              <a:tabLst/>
-              <a:defRPr/>
-            </a:pPr>
-            <a:r>
-              <a:rPr lang="en-AU" dirty="0"/>
-              <a:t>one input interface (i.e. the position and location system) </a:t>
-            </a:r>
-          </a:p>
-          <a:p>
-            <a:pPr marL="171450" marR="0" lvl="0" indent="-171450" algn="l" defTabSz="914400" rtl="0" eaLnBrk="1" fontAlgn="auto" latinLnBrk="0" hangingPunct="1">
-              <a:lnSpc>
-                <a:spcPct val="100000"/>
-              </a:lnSpc>
-              <a:spcBef>
-                <a:spcPts val="0"/>
-              </a:spcBef>
-              <a:spcAft>
-                <a:spcPts val="0"/>
-              </a:spcAft>
-              <a:buClrTx/>
-              <a:buSzTx/>
-              <a:buFontTx/>
-              <a:buChar char="-"/>
-              <a:tabLst/>
-              <a:defRPr/>
-            </a:pPr>
-            <a:r>
-              <a:rPr lang="en-AU" dirty="0"/>
-              <a:t>and one output interface (i.e. the navigation and mazing system)</a:t>
+              <a:t>It’s purpose is to detect and locate obstacles and output their location to the navigation system for better route planning.</a:t>
             </a:r>
           </a:p>
         </p:txBody>
@@ -1401,7 +1446,7 @@
             </a:pPr>
             <a:r>
               <a:rPr lang="en-AU" dirty="0"/>
-              <a:t>If required a temperature sensor</a:t>
+              <a:t>Temperature sensor if required</a:t>
             </a:r>
           </a:p>
           <a:p>
@@ -1410,7 +1455,7 @@
             </a:pPr>
             <a:r>
               <a:rPr lang="en-AU" dirty="0"/>
-              <a:t>And the Arduino Script that will combine all the inputs and convert this into a grid reference to be outputted to the navigation system.</a:t>
+              <a:t>And the Arduino Script that will combine the inputs and convert into a grid reference to be outputted to the navigation system.</a:t>
             </a:r>
           </a:p>
         </p:txBody>
@@ -1528,7 +1573,7 @@
                 </a14:m>
                 <a:r>
                   <a:rPr lang="en-AU" dirty="0"/>
-                  <a:t> (based on the geometry of the RC chassis). </a:t>
+                  <a:t>. </a:t>
                 </a:r>
               </a:p>
               <a:p>
@@ -1541,7 +1586,7 @@
                 </a:r>
                 <a:r>
                   <a:rPr lang="en-AU" baseline="0" dirty="0"/>
-                  <a:t> the system may not detect an obstacle in the adjacent grid as can be seen in the image. </a:t>
+                  <a:t> the system may not detect an obstacle in the adjacent grid as can be seen. </a:t>
                 </a:r>
               </a:p>
               <a:p>
@@ -1550,7 +1595,7 @@
                 </a:pPr>
                 <a:r>
                   <a:rPr lang="en-AU" baseline="0" dirty="0"/>
-                  <a:t>Mitigation is to have as small an offset from the chassis as possible.</a:t>
+                  <a:t>To minimise this risk the offset from the chassis will be as small as possible.</a:t>
                 </a:r>
                 <a:br>
                   <a:rPr lang="en-AU" dirty="0"/>
@@ -1750,13 +1795,13 @@
                 </a:r>
                 <a:r>
                   <a:rPr lang="en-AU" baseline="0" dirty="0"/>
-                  <a:t> difference in the sizes of the obstacles and the grid references, rounding may incorrectly allocate obstacle locations. </a:t>
+                  <a:t> difference in the sizes of the obstacles and squares, rounding may cause location errors. </a:t>
                 </a:r>
               </a:p>
               <a:p>
                 <a:r>
                   <a:rPr lang="en-AU" baseline="0" dirty="0"/>
-                  <a:t>Mitigation as seen in the diagram, is to if required, add a negative distance bias (shown by the red line) to correct rounding issues.</a:t>
+                  <a:t>If required, a distance bias will be added to correct rounding issues.</a:t>
                 </a:r>
                 <a:endParaRPr lang="en-AU" dirty="0"/>
               </a:p>
@@ -1950,33 +1995,17 @@
               <a:p>
                 <a:r>
                   <a:rPr lang="en-AU" dirty="0"/>
-                  <a:t>Otherwise the error in the speed of sound will cause a distance error exceeding </a:t>
+                  <a:t>Otherwise the error in the speed of sound will cause a distance error exceeding</a:t>
                 </a:r>
-                <a14:m>
-                  <m:oMath xmlns:m="http://schemas.openxmlformats.org/officeDocument/2006/math">
-                    <m:r>
-                      <a:rPr lang="en-AU" b="0" i="1" smtClean="0">
-                        <a:latin typeface="Cambria Math" panose="02040503050406030204" pitchFamily="18" charset="0"/>
-                      </a:rPr>
-                      <m:t>±7</m:t>
-                    </m:r>
-                    <m:r>
-                      <a:rPr lang="en-AU" b="0" i="1" smtClean="0">
-                        <a:latin typeface="Cambria Math" panose="02040503050406030204" pitchFamily="18" charset="0"/>
-                      </a:rPr>
-                      <m:t>𝑐𝑚</m:t>
-                    </m:r>
-                  </m:oMath>
-                </a14:m>
                 <a:r>
                   <a:rPr lang="en-AU" baseline="0" dirty="0"/>
-                  <a:t>.</a:t>
+                  <a:t> limits.</a:t>
                 </a:r>
               </a:p>
               <a:p>
                 <a:r>
                   <a:rPr lang="en-AU" dirty="0"/>
-                  <a:t>It has been determined that this range is reasonable, as a contingency however a temperature sensor has been selected based on the comparison shown in the table.</a:t>
+                  <a:t>This range should be reasonable, but as a contingency, a temperature sensor has been selected based on the comparisons shown in the table.</a:t>
                 </a:r>
               </a:p>
             </p:txBody>
@@ -2123,7 +2152,7 @@
               <a:p>
                 <a:r>
                   <a:rPr lang="en-AU" dirty="0"/>
-                  <a:t>4. The obstacles are expected to be at </a:t>
+                  <a:t>4. The obstacles are expected to be placed at </a:t>
                 </a:r>
                 <a14:m>
                   <m:oMath xmlns:m="http://schemas.openxmlformats.org/officeDocument/2006/math">
@@ -2131,7 +2160,7 @@
                       <a:rPr lang="en-AU" b="0" i="1" smtClean="0">
                         <a:latin typeface="Cambria Math" panose="02040503050406030204" pitchFamily="18" charset="0"/>
                       </a:rPr>
-                      <m:t>85−</m:t>
+                      <m:t>±</m:t>
                     </m:r>
                     <m:sSup>
                       <m:sSupPr>
@@ -2146,7 +2175,7 @@
                           <a:rPr lang="en-AU" b="0" i="1" smtClean="0">
                             <a:latin typeface="Cambria Math" panose="02040503050406030204" pitchFamily="18" charset="0"/>
                           </a:rPr>
-                          <m:t>95</m:t>
+                          <m:t>5</m:t>
                         </m:r>
                       </m:e>
                       <m:sup>
@@ -2162,29 +2191,21 @@
                 </a14:m>
                 <a:r>
                   <a:rPr lang="en-AU" dirty="0"/>
-                  <a:t> relative to the grid otherwise the sensors may not work as they require a near perpendicular surface to operate. </a:t>
+                  <a:t> relative to the grid otherwise the sensors may not work as they need</a:t>
+                </a:r>
+                <a:r>
+                  <a:rPr lang="en-AU" baseline="0" dirty="0"/>
+                  <a:t> a perpendicular surface</a:t>
+                </a:r>
+                <a:r>
+                  <a:rPr lang="en-AU" dirty="0"/>
+                  <a:t>. </a:t>
                 </a:r>
               </a:p>
               <a:p>
                 <a:r>
                   <a:rPr lang="en-AU" dirty="0"/>
-                  <a:t>If required a sweeping technique will be </a:t>
-                </a:r>
-                <a:r>
-                  <a:rPr lang="en-AU"/>
-                  <a:t>introduced to maximise the </a:t>
-                </a:r>
-                <a:r>
-                  <a:rPr lang="en-AU" dirty="0"/>
-                  <a:t>chance </a:t>
-                </a:r>
-                <a:r>
-                  <a:rPr lang="en-AU"/>
-                  <a:t>of getting a </a:t>
-                </a:r>
-                <a:r>
-                  <a:rPr lang="en-AU" dirty="0"/>
-                  <a:t>perpendicular surface. </a:t>
+                  <a:t>A sweeping technique could be used to maximise the chance of getting a perpendicular surface. </a:t>
                 </a:r>
               </a:p>
             </p:txBody>
@@ -2319,19 +2340,13 @@
           <a:p>
             <a:r>
               <a:rPr lang="en-AU" dirty="0"/>
-              <a:t>5. The obstacles are expected to be placed in only one grid space and not “leak” into surrounding grids as shown in the figure.</a:t>
+              <a:t>5. The obstacles are expected to be placed in only one grid space, not ‘leaking’ into surrounding squares as shown, because the system will only allocate the obstacle to one of the squares.</a:t>
             </a:r>
           </a:p>
           <a:p>
             <a:r>
               <a:rPr lang="en-AU" dirty="0"/>
-              <a:t>If not the system will incorrectly only allocate the obstacle to one of the grid squares.</a:t>
-            </a:r>
-          </a:p>
-          <a:p>
-            <a:r>
-              <a:rPr lang="en-AU" dirty="0"/>
-              <a:t>If required each grid square will be broken up into smaller segments to allow for higher resolution obstacle locations as shown in the figure.</a:t>
+              <a:t>If required each square will be broken up into smaller segments for higher resolution as seen.</a:t>
             </a:r>
           </a:p>
         </p:txBody>
@@ -5951,14 +5966,14 @@
               <p:nvPr>
                 <p:extLst>
                   <p:ext uri="{D42A27DB-BD31-4B8C-83A1-F6EECF244321}">
-                    <p14:modId xmlns:p14="http://schemas.microsoft.com/office/powerpoint/2010/main" val="2923042661"/>
+                    <p14:modId xmlns:p14="http://schemas.microsoft.com/office/powerpoint/2010/main" val="4158310671"/>
                   </p:ext>
                 </p:extLst>
               </p:nvPr>
             </p:nvGraphicFramePr>
             <p:xfrm>
               <a:off x="717550" y="1538288"/>
-              <a:ext cx="7635875" cy="3457575"/>
+              <a:ext cx="7635875" cy="4048125"/>
             </p:xfrm>
             <a:graphic>
               <a:graphicData uri="http://schemas.openxmlformats.org/drawingml/2006/table">
@@ -6149,13 +6164,16 @@
                               </m:r>
                             </m:oMath>
                           </a14:m>
-                          <a:endParaRPr lang="en-AU" sz="2000" b="0" i="0" u="none" strike="noStrike" dirty="0">
-                            <a:solidFill>
-                              <a:srgbClr val="000000"/>
-                            </a:solidFill>
-                            <a:effectLst/>
-                            <a:latin typeface="Calibri" panose="020F0502020204030204" pitchFamily="34" charset="0"/>
-                          </a:endParaRPr>
+                          <a:r>
+                            <a:rPr lang="en-AU" sz="2000" b="0" i="0" u="none" strike="noStrike" dirty="0">
+                              <a:solidFill>
+                                <a:srgbClr val="000000"/>
+                              </a:solidFill>
+                              <a:effectLst/>
+                              <a:latin typeface="Calibri" panose="020F0502020204030204" pitchFamily="34" charset="0"/>
+                            </a:rPr>
+                            <a:t> (based on the geometry of the RC chassis).</a:t>
+                          </a:r>
                         </a:p>
                       </a:txBody>
                       <a:tcPr marL="9525" marR="9525" marT="9525" marB="0" anchor="b">
@@ -6830,14 +6848,14 @@
               <p:nvPr>
                 <p:extLst>
                   <p:ext uri="{D42A27DB-BD31-4B8C-83A1-F6EECF244321}">
-                    <p14:modId xmlns:p14="http://schemas.microsoft.com/office/powerpoint/2010/main" val="2923042661"/>
+                    <p14:modId xmlns:p14="http://schemas.microsoft.com/office/powerpoint/2010/main" val="4158310671"/>
                   </p:ext>
                 </p:extLst>
               </p:nvPr>
             </p:nvGraphicFramePr>
             <p:xfrm>
               <a:off x="717550" y="1538288"/>
-              <a:ext cx="7635875" cy="3457575"/>
+              <a:ext cx="7635875" cy="4048125"/>
             </p:xfrm>
             <a:graphic>
               <a:graphicData uri="http://schemas.openxmlformats.org/drawingml/2006/table">
@@ -6990,7 +7008,7 @@
                       </a:ext>
                     </a:extLst>
                   </a:tr>
-                  <a:tr h="333375">
+                  <a:tr h="923925">
                     <a:tc>
                       <a:txBody>
                         <a:bodyPr/>
@@ -7039,7 +7057,7 @@
                         <a:blipFill>
                           <a:blip r:embed="rId3"/>
                           <a:stretch>
-                            <a:fillRect l="-166" t="-112727" r="-107947" b="-876364"/>
+                            <a:fillRect l="-166" t="-40789" r="-107947" b="-317105"/>
                           </a:stretch>
                         </a:blipFill>
                       </a:tcPr>
@@ -7165,7 +7183,7 @@
                         <a:blipFill>
                           <a:blip r:embed="rId3"/>
                           <a:stretch>
-                            <a:fillRect l="-166" t="-76974" r="-107947" b="-217105"/>
+                            <a:fillRect l="-166" t="-140789" r="-107947" b="-217105"/>
                           </a:stretch>
                         </a:blipFill>
                       </a:tcPr>
@@ -7812,14 +7830,14 @@
               <p:nvPr>
                 <p:extLst>
                   <p:ext uri="{D42A27DB-BD31-4B8C-83A1-F6EECF244321}">
-                    <p14:modId xmlns:p14="http://schemas.microsoft.com/office/powerpoint/2010/main" val="769833372"/>
+                    <p14:modId xmlns:p14="http://schemas.microsoft.com/office/powerpoint/2010/main" val="471194877"/>
                   </p:ext>
                 </p:extLst>
               </p:nvPr>
             </p:nvGraphicFramePr>
             <p:xfrm>
               <a:off x="717550" y="1538288"/>
-              <a:ext cx="7635875" cy="3457575"/>
+              <a:ext cx="7635875" cy="4048125"/>
             </p:xfrm>
             <a:graphic>
               <a:graphicData uri="http://schemas.openxmlformats.org/drawingml/2006/table">
@@ -8010,13 +8028,16 @@
                               </m:r>
                             </m:oMath>
                           </a14:m>
-                          <a:endParaRPr lang="en-AU" sz="2000" b="0" i="0" u="none" strike="noStrike" dirty="0">
-                            <a:solidFill>
-                              <a:srgbClr val="000000"/>
-                            </a:solidFill>
-                            <a:effectLst/>
-                            <a:latin typeface="Calibri" panose="020F0502020204030204" pitchFamily="34" charset="0"/>
-                          </a:endParaRPr>
+                          <a:r>
+                            <a:rPr lang="en-AU" sz="2000" b="0" i="0" u="none" strike="noStrike" dirty="0">
+                              <a:solidFill>
+                                <a:srgbClr val="000000"/>
+                              </a:solidFill>
+                              <a:effectLst/>
+                              <a:latin typeface="Calibri" panose="020F0502020204030204" pitchFamily="34" charset="0"/>
+                            </a:rPr>
+                            <a:t> (based on the geometry of the RC chassis).</a:t>
+                          </a:r>
                         </a:p>
                       </a:txBody>
                       <a:tcPr marL="9525" marR="9525" marT="9525" marB="0" anchor="b">
@@ -8549,12 +8570,12 @@
                         <a:p>
                           <a:pPr algn="l" fontAlgn="b"/>
                           <a:r>
-                            <a:rPr lang="en-US" sz="2000" u="none" strike="noStrike">
+                            <a:rPr lang="en-US" sz="2000" u="none" strike="noStrike" dirty="0">
                               <a:effectLst/>
                             </a:rPr>
                             <a:t>Obstacles placed in only one grid square</a:t>
                           </a:r>
-                          <a:endParaRPr lang="en-US" sz="2000" b="0" i="0" u="none" strike="noStrike">
+                          <a:endParaRPr lang="en-US" sz="2000" b="0" i="0" u="none" strike="noStrike" dirty="0">
                             <a:solidFill>
                               <a:srgbClr val="000000"/>
                             </a:solidFill>
@@ -8691,14 +8712,14 @@
               <p:nvPr>
                 <p:extLst>
                   <p:ext uri="{D42A27DB-BD31-4B8C-83A1-F6EECF244321}">
-                    <p14:modId xmlns:p14="http://schemas.microsoft.com/office/powerpoint/2010/main" val="769833372"/>
+                    <p14:modId xmlns:p14="http://schemas.microsoft.com/office/powerpoint/2010/main" val="471194877"/>
                   </p:ext>
                 </p:extLst>
               </p:nvPr>
             </p:nvGraphicFramePr>
             <p:xfrm>
               <a:off x="717550" y="1538288"/>
-              <a:ext cx="7635875" cy="3457575"/>
+              <a:ext cx="7635875" cy="4048125"/>
             </p:xfrm>
             <a:graphic>
               <a:graphicData uri="http://schemas.openxmlformats.org/drawingml/2006/table">
@@ -8851,7 +8872,7 @@
                       </a:ext>
                     </a:extLst>
                   </a:tr>
-                  <a:tr h="333375">
+                  <a:tr h="923925">
                     <a:tc>
                       <a:txBody>
                         <a:bodyPr/>
@@ -8900,7 +8921,7 @@
                         <a:blipFill>
                           <a:blip r:embed="rId3"/>
                           <a:stretch>
-                            <a:fillRect l="-166" t="-112727" r="-107947" b="-876364"/>
+                            <a:fillRect l="-166" t="-40789" r="-107947" b="-317105"/>
                           </a:stretch>
                         </a:blipFill>
                       </a:tcPr>
@@ -9021,7 +9042,7 @@
                         <a:blipFill>
                           <a:blip r:embed="rId3"/>
                           <a:stretch>
-                            <a:fillRect l="-166" t="-76974" r="-107947" b="-217105"/>
+                            <a:fillRect l="-166" t="-140789" r="-107947" b="-217105"/>
                           </a:stretch>
                         </a:blipFill>
                       </a:tcPr>
@@ -9364,12 +9385,12 @@
                         <a:p>
                           <a:pPr algn="l" fontAlgn="b"/>
                           <a:r>
-                            <a:rPr lang="en-US" sz="2000" u="none" strike="noStrike">
+                            <a:rPr lang="en-US" sz="2000" u="none" strike="noStrike" dirty="0">
                               <a:effectLst/>
                             </a:rPr>
                             <a:t>Obstacles placed in only one grid square</a:t>
                           </a:r>
-                          <a:endParaRPr lang="en-US" sz="2000" b="0" i="0" u="none" strike="noStrike">
+                          <a:endParaRPr lang="en-US" sz="2000" b="0" i="0" u="none" strike="noStrike" dirty="0">
                             <a:solidFill>
                               <a:srgbClr val="000000"/>
                             </a:solidFill>
@@ -9673,14 +9694,14 @@
               <p:nvPr>
                 <p:extLst>
                   <p:ext uri="{D42A27DB-BD31-4B8C-83A1-F6EECF244321}">
-                    <p14:modId xmlns:p14="http://schemas.microsoft.com/office/powerpoint/2010/main" val="3173940156"/>
+                    <p14:modId xmlns:p14="http://schemas.microsoft.com/office/powerpoint/2010/main" val="2201322027"/>
                   </p:ext>
                 </p:extLst>
               </p:nvPr>
             </p:nvGraphicFramePr>
             <p:xfrm>
               <a:off x="717550" y="1538288"/>
-              <a:ext cx="7635875" cy="3457575"/>
+              <a:ext cx="7635875" cy="4048125"/>
             </p:xfrm>
             <a:graphic>
               <a:graphicData uri="http://schemas.openxmlformats.org/drawingml/2006/table">
@@ -9871,13 +9892,16 @@
                               </m:r>
                             </m:oMath>
                           </a14:m>
-                          <a:endParaRPr lang="en-AU" sz="2000" b="0" i="0" u="none" strike="noStrike" dirty="0">
-                            <a:solidFill>
-                              <a:srgbClr val="000000"/>
-                            </a:solidFill>
-                            <a:effectLst/>
-                            <a:latin typeface="Calibri" panose="020F0502020204030204" pitchFamily="34" charset="0"/>
-                          </a:endParaRPr>
+                          <a:r>
+                            <a:rPr lang="en-AU" sz="2000" b="0" i="0" u="none" strike="noStrike" dirty="0">
+                              <a:solidFill>
+                                <a:srgbClr val="000000"/>
+                              </a:solidFill>
+                              <a:effectLst/>
+                              <a:latin typeface="Calibri" panose="020F0502020204030204" pitchFamily="34" charset="0"/>
+                            </a:rPr>
+                            <a:t> (based on the geometry of the RC chassis).</a:t>
+                          </a:r>
                         </a:p>
                       </a:txBody>
                       <a:tcPr marL="9525" marR="9525" marT="9525" marB="0" anchor="b">
@@ -10552,14 +10576,14 @@
               <p:nvPr>
                 <p:extLst>
                   <p:ext uri="{D42A27DB-BD31-4B8C-83A1-F6EECF244321}">
-                    <p14:modId xmlns:p14="http://schemas.microsoft.com/office/powerpoint/2010/main" val="3173940156"/>
+                    <p14:modId xmlns:p14="http://schemas.microsoft.com/office/powerpoint/2010/main" val="2201322027"/>
                   </p:ext>
                 </p:extLst>
               </p:nvPr>
             </p:nvGraphicFramePr>
             <p:xfrm>
               <a:off x="717550" y="1538288"/>
-              <a:ext cx="7635875" cy="3457575"/>
+              <a:ext cx="7635875" cy="4048125"/>
             </p:xfrm>
             <a:graphic>
               <a:graphicData uri="http://schemas.openxmlformats.org/drawingml/2006/table">
@@ -10712,7 +10736,7 @@
                       </a:ext>
                     </a:extLst>
                   </a:tr>
-                  <a:tr h="333375">
+                  <a:tr h="923925">
                     <a:tc>
                       <a:txBody>
                         <a:bodyPr/>
@@ -10761,7 +10785,7 @@
                         <a:blipFill>
                           <a:blip r:embed="rId3"/>
                           <a:stretch>
-                            <a:fillRect l="-166" t="-112727" r="-107947" b="-876364"/>
+                            <a:fillRect l="-166" t="-40789" r="-107947" b="-317105"/>
                           </a:stretch>
                         </a:blipFill>
                       </a:tcPr>
@@ -10882,7 +10906,7 @@
                         <a:blipFill>
                           <a:blip r:embed="rId3"/>
                           <a:stretch>
-                            <a:fillRect l="-166" t="-76974" r="-107947" b="-217105"/>
+                            <a:fillRect l="-166" t="-140789" r="-107947" b="-217105"/>
                           </a:stretch>
                         </a:blipFill>
                       </a:tcPr>
@@ -11415,8 +11439,8 @@
         </p:blipFill>
         <p:spPr>
           <a:xfrm>
-            <a:off x="6096000" y="5094693"/>
-            <a:ext cx="5959205" cy="1432000"/>
+            <a:off x="7100826" y="5637152"/>
+            <a:ext cx="5080499" cy="1220847"/>
           </a:xfrm>
           <a:prstGeom prst="rect">
             <a:avLst/>
@@ -11560,7 +11584,7 @@
         </p:nvSpPr>
         <p:spPr>
           <a:xfrm>
-            <a:off x="7318646" y="6440857"/>
+            <a:off x="8415214" y="5305606"/>
             <a:ext cx="3911329" cy="369332"/>
           </a:xfrm>
           <a:prstGeom prst="rect">
@@ -11686,14 +11710,14 @@
               <p:nvPr>
                 <p:extLst>
                   <p:ext uri="{D42A27DB-BD31-4B8C-83A1-F6EECF244321}">
-                    <p14:modId xmlns:p14="http://schemas.microsoft.com/office/powerpoint/2010/main" val="2413705086"/>
+                    <p14:modId xmlns:p14="http://schemas.microsoft.com/office/powerpoint/2010/main" val="2646358484"/>
                   </p:ext>
                 </p:extLst>
               </p:nvPr>
             </p:nvGraphicFramePr>
             <p:xfrm>
               <a:off x="717550" y="1538288"/>
-              <a:ext cx="7635875" cy="3457575"/>
+              <a:ext cx="7635875" cy="4048125"/>
             </p:xfrm>
             <a:graphic>
               <a:graphicData uri="http://schemas.openxmlformats.org/drawingml/2006/table">
@@ -11884,13 +11908,16 @@
                               </m:r>
                             </m:oMath>
                           </a14:m>
-                          <a:endParaRPr lang="en-AU" sz="2000" b="0" i="0" u="none" strike="noStrike" dirty="0">
-                            <a:solidFill>
-                              <a:srgbClr val="000000"/>
-                            </a:solidFill>
-                            <a:effectLst/>
-                            <a:latin typeface="Calibri" panose="020F0502020204030204" pitchFamily="34" charset="0"/>
-                          </a:endParaRPr>
+                          <a:r>
+                            <a:rPr lang="en-AU" sz="2000" b="0" i="0" u="none" strike="noStrike" dirty="0">
+                              <a:solidFill>
+                                <a:srgbClr val="000000"/>
+                              </a:solidFill>
+                              <a:effectLst/>
+                              <a:latin typeface="Calibri" panose="020F0502020204030204" pitchFamily="34" charset="0"/>
+                            </a:rPr>
+                            <a:t> (based on the geometry of the RC chassis).</a:t>
+                          </a:r>
                         </a:p>
                       </a:txBody>
                       <a:tcPr marL="9525" marR="9525" marT="9525" marB="0" anchor="b">
@@ -12565,14 +12592,14 @@
               <p:nvPr>
                 <p:extLst>
                   <p:ext uri="{D42A27DB-BD31-4B8C-83A1-F6EECF244321}">
-                    <p14:modId xmlns:p14="http://schemas.microsoft.com/office/powerpoint/2010/main" val="2413705086"/>
+                    <p14:modId xmlns:p14="http://schemas.microsoft.com/office/powerpoint/2010/main" val="2646358484"/>
                   </p:ext>
                 </p:extLst>
               </p:nvPr>
             </p:nvGraphicFramePr>
             <p:xfrm>
               <a:off x="717550" y="1538288"/>
-              <a:ext cx="7635875" cy="3457575"/>
+              <a:ext cx="7635875" cy="4048125"/>
             </p:xfrm>
             <a:graphic>
               <a:graphicData uri="http://schemas.openxmlformats.org/drawingml/2006/table">
@@ -12725,7 +12752,7 @@
                       </a:ext>
                     </a:extLst>
                   </a:tr>
-                  <a:tr h="333375">
+                  <a:tr h="923925">
                     <a:tc>
                       <a:txBody>
                         <a:bodyPr/>
@@ -12774,7 +12801,7 @@
                         <a:blipFill>
                           <a:blip r:embed="rId4"/>
                           <a:stretch>
-                            <a:fillRect l="-166" t="-112727" r="-107947" b="-876364"/>
+                            <a:fillRect l="-166" t="-40789" r="-107947" b="-317105"/>
                           </a:stretch>
                         </a:blipFill>
                       </a:tcPr>
@@ -12895,7 +12922,7 @@
                         <a:blipFill>
                           <a:blip r:embed="rId4"/>
                           <a:stretch>
-                            <a:fillRect l="-166" t="-76974" r="-107947" b="-217105"/>
+                            <a:fillRect l="-166" t="-140789" r="-107947" b="-217105"/>
                           </a:stretch>
                         </a:blipFill>
                       </a:tcPr>
@@ -13516,14 +13543,14 @@
               <p:nvPr>
                 <p:extLst>
                   <p:ext uri="{D42A27DB-BD31-4B8C-83A1-F6EECF244321}">
-                    <p14:modId xmlns:p14="http://schemas.microsoft.com/office/powerpoint/2010/main" val="3387213627"/>
+                    <p14:modId xmlns:p14="http://schemas.microsoft.com/office/powerpoint/2010/main" val="3510241429"/>
                   </p:ext>
                 </p:extLst>
               </p:nvPr>
             </p:nvGraphicFramePr>
             <p:xfrm>
               <a:off x="717550" y="1538288"/>
-              <a:ext cx="7635875" cy="3457575"/>
+              <a:ext cx="7635875" cy="4048125"/>
             </p:xfrm>
             <a:graphic>
               <a:graphicData uri="http://schemas.openxmlformats.org/drawingml/2006/table">
@@ -13714,13 +13741,16 @@
                               </m:r>
                             </m:oMath>
                           </a14:m>
-                          <a:endParaRPr lang="en-AU" sz="2000" b="0" i="0" u="none" strike="noStrike" dirty="0">
-                            <a:solidFill>
-                              <a:srgbClr val="000000"/>
-                            </a:solidFill>
-                            <a:effectLst/>
-                            <a:latin typeface="Calibri" panose="020F0502020204030204" pitchFamily="34" charset="0"/>
-                          </a:endParaRPr>
+                          <a:r>
+                            <a:rPr lang="en-AU" sz="2000" b="0" i="0" u="none" strike="noStrike" dirty="0">
+                              <a:solidFill>
+                                <a:srgbClr val="000000"/>
+                              </a:solidFill>
+                              <a:effectLst/>
+                              <a:latin typeface="Calibri" panose="020F0502020204030204" pitchFamily="34" charset="0"/>
+                            </a:rPr>
+                            <a:t> (based on the geometry of the RC chassis).</a:t>
+                          </a:r>
                         </a:p>
                       </a:txBody>
                       <a:tcPr marL="9525" marR="9525" marT="9525" marB="0" anchor="b">
@@ -14395,14 +14425,14 @@
               <p:nvPr>
                 <p:extLst>
                   <p:ext uri="{D42A27DB-BD31-4B8C-83A1-F6EECF244321}">
-                    <p14:modId xmlns:p14="http://schemas.microsoft.com/office/powerpoint/2010/main" val="3387213627"/>
+                    <p14:modId xmlns:p14="http://schemas.microsoft.com/office/powerpoint/2010/main" val="3510241429"/>
                   </p:ext>
                 </p:extLst>
               </p:nvPr>
             </p:nvGraphicFramePr>
             <p:xfrm>
               <a:off x="717550" y="1538288"/>
-              <a:ext cx="7635875" cy="3457575"/>
+              <a:ext cx="7635875" cy="4048125"/>
             </p:xfrm>
             <a:graphic>
               <a:graphicData uri="http://schemas.openxmlformats.org/drawingml/2006/table">
@@ -14555,7 +14585,7 @@
                       </a:ext>
                     </a:extLst>
                   </a:tr>
-                  <a:tr h="333375">
+                  <a:tr h="923925">
                     <a:tc>
                       <a:txBody>
                         <a:bodyPr/>
@@ -14604,7 +14634,7 @@
                         <a:blipFill>
                           <a:blip r:embed="rId3"/>
                           <a:stretch>
-                            <a:fillRect l="-166" t="-112727" r="-107947" b="-876364"/>
+                            <a:fillRect l="-166" t="-40789" r="-107947" b="-317105"/>
                           </a:stretch>
                         </a:blipFill>
                       </a:tcPr>
@@ -14725,7 +14755,7 @@
                         <a:blipFill>
                           <a:blip r:embed="rId3"/>
                           <a:stretch>
-                            <a:fillRect l="-166" t="-76974" r="-107947" b="-217105"/>
+                            <a:fillRect l="-166" t="-140789" r="-107947" b="-217105"/>
                           </a:stretch>
                         </a:blipFill>
                       </a:tcPr>
